--- a/Ruchitha, Swarnashree, Shanthreddy, Anoop.pptx
+++ b/Ruchitha, Swarnashree, Shanthreddy, Anoop.pptx
@@ -125,7 +125,7 @@
   </p:defaultTextStyle>
   <p:extLst>
     <p:ext uri="{EFAFB233-063F-42B5-8137-9DF3F51BA10A}">
-      <p15:sldGuideLst xmlns="" xmlns:p15="http://schemas.microsoft.com/office/powerpoint/2012/main">
+      <p15:sldGuideLst xmlns:p15="http://schemas.microsoft.com/office/powerpoint/2012/main" xmlns="">
         <p15:guide id="1" orient="horz" pos="2160">
           <p15:clr>
             <a:srgbClr val="A4A3A4"/>
@@ -394,7 +394,7 @@
     </p:spTree>
     <p:extLst>
       <p:ext uri="{BB962C8B-B14F-4D97-AF65-F5344CB8AC3E}">
-        <p14:creationId xmlns="" xmlns:p14="http://schemas.microsoft.com/office/powerpoint/2010/main" val="2228071512"/>
+        <p14:creationId xmlns:p14="http://schemas.microsoft.com/office/powerpoint/2010/main" xmlns="" val="2228071512"/>
       </p:ext>
     </p:extLst>
   </p:cSld>
@@ -569,7 +569,7 @@
     </p:spTree>
     <p:extLst>
       <p:ext uri="{BB962C8B-B14F-4D97-AF65-F5344CB8AC3E}">
-        <p14:creationId xmlns="" xmlns:p14="http://schemas.microsoft.com/office/powerpoint/2010/main" val="2248488514"/>
+        <p14:creationId xmlns:p14="http://schemas.microsoft.com/office/powerpoint/2010/main" xmlns="" val="2248488514"/>
       </p:ext>
     </p:extLst>
   </p:cSld>
@@ -896,7 +896,7 @@
     </p:spTree>
     <p:extLst>
       <p:ext uri="{BB962C8B-B14F-4D97-AF65-F5344CB8AC3E}">
-        <p14:creationId xmlns="" xmlns:p14="http://schemas.microsoft.com/office/powerpoint/2010/main" val="1679897110"/>
+        <p14:creationId xmlns:p14="http://schemas.microsoft.com/office/powerpoint/2010/main" xmlns="" val="1679897110"/>
       </p:ext>
     </p:extLst>
   </p:cSld>
@@ -1068,7 +1068,7 @@
     </p:spTree>
     <p:extLst>
       <p:ext uri="{BB962C8B-B14F-4D97-AF65-F5344CB8AC3E}">
-        <p14:creationId xmlns="" xmlns:p14="http://schemas.microsoft.com/office/powerpoint/2010/main" val="3126574627"/>
+        <p14:creationId xmlns:p14="http://schemas.microsoft.com/office/powerpoint/2010/main" xmlns="" val="3126574627"/>
       </p:ext>
     </p:extLst>
   </p:cSld>
@@ -1326,7 +1326,7 @@
     </p:spTree>
     <p:extLst>
       <p:ext uri="{BB962C8B-B14F-4D97-AF65-F5344CB8AC3E}">
-        <p14:creationId xmlns="" xmlns:p14="http://schemas.microsoft.com/office/powerpoint/2010/main" val="3607552999"/>
+        <p14:creationId xmlns:p14="http://schemas.microsoft.com/office/powerpoint/2010/main" xmlns="" val="3607552999"/>
       </p:ext>
     </p:extLst>
   </p:cSld>
@@ -1498,7 +1498,7 @@
     </p:spTree>
     <p:extLst>
       <p:ext uri="{BB962C8B-B14F-4D97-AF65-F5344CB8AC3E}">
-        <p14:creationId xmlns="" xmlns:p14="http://schemas.microsoft.com/office/powerpoint/2010/main" val="3679213545"/>
+        <p14:creationId xmlns:p14="http://schemas.microsoft.com/office/powerpoint/2010/main" xmlns="" val="3679213545"/>
       </p:ext>
     </p:extLst>
   </p:cSld>
@@ -1881,7 +1881,7 @@
     </p:spTree>
     <p:extLst>
       <p:ext uri="{BB962C8B-B14F-4D97-AF65-F5344CB8AC3E}">
-        <p14:creationId xmlns="" xmlns:p14="http://schemas.microsoft.com/office/powerpoint/2010/main" val="4141918035"/>
+        <p14:creationId xmlns:p14="http://schemas.microsoft.com/office/powerpoint/2010/main" xmlns="" val="4141918035"/>
       </p:ext>
     </p:extLst>
   </p:cSld>
@@ -2120,7 +2120,7 @@
     </p:spTree>
     <p:extLst>
       <p:ext uri="{BB962C8B-B14F-4D97-AF65-F5344CB8AC3E}">
-        <p14:creationId xmlns="" xmlns:p14="http://schemas.microsoft.com/office/powerpoint/2010/main" val="2681478942"/>
+        <p14:creationId xmlns:p14="http://schemas.microsoft.com/office/powerpoint/2010/main" xmlns="" val="2681478942"/>
       </p:ext>
     </p:extLst>
   </p:cSld>
@@ -2501,7 +2501,7 @@
     </p:spTree>
     <p:extLst>
       <p:ext uri="{BB962C8B-B14F-4D97-AF65-F5344CB8AC3E}">
-        <p14:creationId xmlns="" xmlns:p14="http://schemas.microsoft.com/office/powerpoint/2010/main" val="551000789"/>
+        <p14:creationId xmlns:p14="http://schemas.microsoft.com/office/powerpoint/2010/main" xmlns="" val="551000789"/>
       </p:ext>
     </p:extLst>
   </p:cSld>
@@ -2621,7 +2621,7 @@
     </p:spTree>
     <p:extLst>
       <p:ext uri="{BB962C8B-B14F-4D97-AF65-F5344CB8AC3E}">
-        <p14:creationId xmlns="" xmlns:p14="http://schemas.microsoft.com/office/powerpoint/2010/main" val="1831687162"/>
+        <p14:creationId xmlns:p14="http://schemas.microsoft.com/office/powerpoint/2010/main" xmlns="" val="1831687162"/>
       </p:ext>
     </p:extLst>
   </p:cSld>
@@ -2802,7 +2802,7 @@
     </p:spTree>
     <p:extLst>
       <p:ext uri="{BB962C8B-B14F-4D97-AF65-F5344CB8AC3E}">
-        <p14:creationId xmlns="" xmlns:p14="http://schemas.microsoft.com/office/powerpoint/2010/main" val="4185406169"/>
+        <p14:creationId xmlns:p14="http://schemas.microsoft.com/office/powerpoint/2010/main" xmlns="" val="4185406169"/>
       </p:ext>
     </p:extLst>
   </p:cSld>
@@ -3171,7 +3171,7 @@
     </p:spTree>
     <p:extLst>
       <p:ext uri="{BB962C8B-B14F-4D97-AF65-F5344CB8AC3E}">
-        <p14:creationId xmlns="" xmlns:p14="http://schemas.microsoft.com/office/powerpoint/2010/main" val="1696050743"/>
+        <p14:creationId xmlns:p14="http://schemas.microsoft.com/office/powerpoint/2010/main" xmlns="" val="1696050743"/>
       </p:ext>
     </p:extLst>
   </p:cSld>
@@ -3529,7 +3529,7 @@
     </p:spTree>
     <p:extLst>
       <p:ext uri="{BB962C8B-B14F-4D97-AF65-F5344CB8AC3E}">
-        <p14:creationId xmlns="" xmlns:p14="http://schemas.microsoft.com/office/powerpoint/2010/main" val="1982970099"/>
+        <p14:creationId xmlns:p14="http://schemas.microsoft.com/office/powerpoint/2010/main" xmlns="" val="1982970099"/>
       </p:ext>
     </p:extLst>
   </p:cSld>
@@ -3888,7 +3888,7 @@
     </p:spTree>
     <p:extLst>
       <p:ext uri="{BB962C8B-B14F-4D97-AF65-F5344CB8AC3E}">
-        <p14:creationId xmlns="" xmlns:p14="http://schemas.microsoft.com/office/powerpoint/2010/main" val="1470309245"/>
+        <p14:creationId xmlns:p14="http://schemas.microsoft.com/office/powerpoint/2010/main" xmlns="" val="1470309245"/>
       </p:ext>
     </p:extLst>
   </p:cSld>
@@ -4296,7 +4296,7 @@
           <p:cNvPr id="6" name="TextBox 5">
             <a:extLst>
               <a:ext uri="{FF2B5EF4-FFF2-40B4-BE49-F238E27FC236}">
-                <a16:creationId xmlns="" xmlns:a16="http://schemas.microsoft.com/office/drawing/2014/main" id="{839B642A-5670-4807-2856-F7722EEEBCC1}"/>
+                <a16:creationId xmlns:a16="http://schemas.microsoft.com/office/drawing/2014/main" xmlns="" id="{839B642A-5670-4807-2856-F7722EEEBCC1}"/>
               </a:ext>
             </a:extLst>
           </p:cNvPr>
@@ -4339,7 +4339,7 @@
           <p:cNvPr id="8" name="TextBox 7">
             <a:extLst>
               <a:ext uri="{FF2B5EF4-FFF2-40B4-BE49-F238E27FC236}">
-                <a16:creationId xmlns="" xmlns:a16="http://schemas.microsoft.com/office/drawing/2014/main" id="{44655B4E-02FF-0206-7DF0-090872BC8D1C}"/>
+                <a16:creationId xmlns:a16="http://schemas.microsoft.com/office/drawing/2014/main" xmlns="" id="{44655B4E-02FF-0206-7DF0-090872BC8D1C}"/>
               </a:ext>
             </a:extLst>
           </p:cNvPr>
@@ -4382,7 +4382,7 @@
           <p:cNvPr id="9" name="Picture 8">
             <a:extLst>
               <a:ext uri="{FF2B5EF4-FFF2-40B4-BE49-F238E27FC236}">
-                <a16:creationId xmlns="" xmlns:a16="http://schemas.microsoft.com/office/drawing/2014/main" id="{D2C4592A-E5C3-F5B0-67FB-CA51366F1D3B}"/>
+                <a16:creationId xmlns:a16="http://schemas.microsoft.com/office/drawing/2014/main" xmlns="" id="{D2C4592A-E5C3-F5B0-67FB-CA51366F1D3B}"/>
               </a:ext>
             </a:extLst>
           </p:cNvPr>
@@ -4395,7 +4395,7 @@
           <a:blip r:embed="rId2" cstate="print">
             <a:extLst>
               <a:ext uri="{28A0092B-C50C-407E-A947-70E740481C1C}">
-                <a14:useLocalDpi xmlns="" xmlns:a14="http://schemas.microsoft.com/office/drawing/2010/main" val="0"/>
+                <a14:useLocalDpi xmlns:a14="http://schemas.microsoft.com/office/drawing/2010/main" xmlns="" val="0"/>
               </a:ext>
             </a:extLst>
           </a:blip>
@@ -4442,7 +4442,7 @@
           <p:cNvPr id="11" name="TextBox 10">
             <a:extLst>
               <a:ext uri="{FF2B5EF4-FFF2-40B4-BE49-F238E27FC236}">
-                <a16:creationId xmlns="" xmlns:a16="http://schemas.microsoft.com/office/drawing/2014/main" id="{B156E584-9D97-88B8-A137-A0327BF60E3E}"/>
+                <a16:creationId xmlns:a16="http://schemas.microsoft.com/office/drawing/2014/main" xmlns="" id="{B156E584-9D97-88B8-A137-A0327BF60E3E}"/>
               </a:ext>
             </a:extLst>
           </p:cNvPr>
@@ -4491,7 +4491,7 @@
           <p:cNvPr id="13" name="TextBox 12">
             <a:extLst>
               <a:ext uri="{FF2B5EF4-FFF2-40B4-BE49-F238E27FC236}">
-                <a16:creationId xmlns="" xmlns:a16="http://schemas.microsoft.com/office/drawing/2014/main" id="{BE68C951-97A5-F9B5-081D-49E4F4251544}"/>
+                <a16:creationId xmlns:a16="http://schemas.microsoft.com/office/drawing/2014/main" xmlns="" id="{BE68C951-97A5-F9B5-081D-49E4F4251544}"/>
               </a:ext>
             </a:extLst>
           </p:cNvPr>
@@ -4543,7 +4543,7 @@
           <p:cNvPr id="15" name="TextBox 14">
             <a:extLst>
               <a:ext uri="{FF2B5EF4-FFF2-40B4-BE49-F238E27FC236}">
-                <a16:creationId xmlns="" xmlns:a16="http://schemas.microsoft.com/office/drawing/2014/main" id="{6BDF5B37-0045-226C-8A4C-A5D0BA8CBC33}"/>
+                <a16:creationId xmlns:a16="http://schemas.microsoft.com/office/drawing/2014/main" xmlns="" id="{6BDF5B37-0045-226C-8A4C-A5D0BA8CBC33}"/>
               </a:ext>
             </a:extLst>
           </p:cNvPr>
@@ -5007,7 +5007,7 @@
           <p:cNvPr id="2" name="TextBox 1">
             <a:extLst>
               <a:ext uri="{FF2B5EF4-FFF2-40B4-BE49-F238E27FC236}">
-                <a16:creationId xmlns="" xmlns:a16="http://schemas.microsoft.com/office/drawing/2014/main" id="{3870465C-C5B2-4C97-02A8-0A626C73E1D3}"/>
+                <a16:creationId xmlns:a16="http://schemas.microsoft.com/office/drawing/2014/main" xmlns="" id="{3870465C-C5B2-4C97-02A8-0A626C73E1D3}"/>
               </a:ext>
             </a:extLst>
           </p:cNvPr>
@@ -5118,7 +5118,7 @@
           <p:cNvPr id="3" name="TextBox 2">
             <a:extLst>
               <a:ext uri="{FF2B5EF4-FFF2-40B4-BE49-F238E27FC236}">
-                <a16:creationId xmlns="" xmlns:a16="http://schemas.microsoft.com/office/drawing/2014/main" id="{1694C80F-7969-0EB0-DF28-B54B4314C718}"/>
+                <a16:creationId xmlns:a16="http://schemas.microsoft.com/office/drawing/2014/main" xmlns="" id="{1694C80F-7969-0EB0-DF28-B54B4314C718}"/>
               </a:ext>
             </a:extLst>
           </p:cNvPr>
@@ -5251,7 +5251,7 @@
     </p:spTree>
     <p:extLst>
       <p:ext uri="{BB962C8B-B14F-4D97-AF65-F5344CB8AC3E}">
-        <p14:creationId xmlns="" xmlns:p14="http://schemas.microsoft.com/office/powerpoint/2010/main" val="3420013051"/>
+        <p14:creationId xmlns:p14="http://schemas.microsoft.com/office/powerpoint/2010/main" xmlns="" val="3420013051"/>
       </p:ext>
     </p:extLst>
   </p:cSld>
@@ -5283,7 +5283,7 @@
           <p:cNvPr id="3" name="TextBox 2">
             <a:extLst>
               <a:ext uri="{FF2B5EF4-FFF2-40B4-BE49-F238E27FC236}">
-                <a16:creationId xmlns="" xmlns:a16="http://schemas.microsoft.com/office/drawing/2014/main" id="{BF41AB26-E44D-1506-8722-F2472A343AB7}"/>
+                <a16:creationId xmlns:a16="http://schemas.microsoft.com/office/drawing/2014/main" xmlns="" id="{BF41AB26-E44D-1506-8722-F2472A343AB7}"/>
               </a:ext>
             </a:extLst>
           </p:cNvPr>
@@ -5326,7 +5326,7 @@
           <p:cNvPr id="2" name="TextBox 1">
             <a:extLst>
               <a:ext uri="{FF2B5EF4-FFF2-40B4-BE49-F238E27FC236}">
-                <a16:creationId xmlns="" xmlns:a16="http://schemas.microsoft.com/office/drawing/2014/main" id="{1579E470-9A5D-E046-40EB-D2C1A8DC3567}"/>
+                <a16:creationId xmlns:a16="http://schemas.microsoft.com/office/drawing/2014/main" xmlns="" id="{1579E470-9A5D-E046-40EB-D2C1A8DC3567}"/>
               </a:ext>
             </a:extLst>
           </p:cNvPr>
@@ -5396,7 +5396,7 @@
           <p:cNvPr id="7" name="TextBox 6">
             <a:extLst>
               <a:ext uri="{FF2B5EF4-FFF2-40B4-BE49-F238E27FC236}">
-                <a16:creationId xmlns="" xmlns:a16="http://schemas.microsoft.com/office/drawing/2014/main" id="{49DADA25-E611-0105-A5E0-65680394795C}"/>
+                <a16:creationId xmlns:a16="http://schemas.microsoft.com/office/drawing/2014/main" xmlns="" id="{49DADA25-E611-0105-A5E0-65680394795C}"/>
               </a:ext>
             </a:extLst>
           </p:cNvPr>
@@ -5466,7 +5466,7 @@
     </p:spTree>
     <p:extLst>
       <p:ext uri="{BB962C8B-B14F-4D97-AF65-F5344CB8AC3E}">
-        <p14:creationId xmlns="" xmlns:p14="http://schemas.microsoft.com/office/powerpoint/2010/main" val="4096901217"/>
+        <p14:creationId xmlns:p14="http://schemas.microsoft.com/office/powerpoint/2010/main" xmlns="" val="4096901217"/>
       </p:ext>
     </p:extLst>
   </p:cSld>
@@ -5498,7 +5498,7 @@
           <p:cNvPr id="3" name="TextBox 2">
             <a:extLst>
               <a:ext uri="{FF2B5EF4-FFF2-40B4-BE49-F238E27FC236}">
-                <a16:creationId xmlns="" xmlns:a16="http://schemas.microsoft.com/office/drawing/2014/main" id="{AAE6D304-FE1C-C910-195E-1D1D6D48FC2E}"/>
+                <a16:creationId xmlns:a16="http://schemas.microsoft.com/office/drawing/2014/main" xmlns="" id="{AAE6D304-FE1C-C910-195E-1D1D6D48FC2E}"/>
               </a:ext>
             </a:extLst>
           </p:cNvPr>
@@ -5541,7 +5541,7 @@
           <p:cNvPr id="2" name="TextBox 1">
             <a:extLst>
               <a:ext uri="{FF2B5EF4-FFF2-40B4-BE49-F238E27FC236}">
-                <a16:creationId xmlns="" xmlns:a16="http://schemas.microsoft.com/office/drawing/2014/main" id="{3DB8BD26-0C84-9F96-3B56-40D0858229EA}"/>
+                <a16:creationId xmlns:a16="http://schemas.microsoft.com/office/drawing/2014/main" xmlns="" id="{3DB8BD26-0C84-9F96-3B56-40D0858229EA}"/>
               </a:ext>
             </a:extLst>
           </p:cNvPr>
@@ -5611,7 +5611,7 @@
           <p:cNvPr id="4" name="TextBox 3">
             <a:extLst>
               <a:ext uri="{FF2B5EF4-FFF2-40B4-BE49-F238E27FC236}">
-                <a16:creationId xmlns="" xmlns:a16="http://schemas.microsoft.com/office/drawing/2014/main" id="{7E33E57F-4DFC-F6BE-FE7C-6E9E7501D473}"/>
+                <a16:creationId xmlns:a16="http://schemas.microsoft.com/office/drawing/2014/main" xmlns="" id="{7E33E57F-4DFC-F6BE-FE7C-6E9E7501D473}"/>
               </a:ext>
             </a:extLst>
           </p:cNvPr>
@@ -5644,19 +5644,8 @@
                 <a:latin typeface="Times New Roman" pitchFamily="18" charset="0"/>
                 <a:cs typeface="Times New Roman" pitchFamily="18" charset="0"/>
               </a:rPr>
-              <a:t>2. </a:t>
-            </a:r>
-            <a:r>
-              <a:rPr lang="en-US" b="1" dirty="0" smtClean="0">
-                <a:latin typeface="Times New Roman" pitchFamily="18" charset="0"/>
-                <a:cs typeface="Times New Roman" pitchFamily="18" charset="0"/>
-              </a:rPr>
-              <a:t>Analyze Sentiment Page	</a:t>
-            </a:r>
-            <a:endParaRPr lang="en-US" b="1" dirty="0" smtClean="0">
-              <a:latin typeface="Times New Roman" pitchFamily="18" charset="0"/>
-              <a:cs typeface="Times New Roman" pitchFamily="18" charset="0"/>
-            </a:endParaRPr>
+              <a:t>2. Analyze Sentiment Page	</a:t>
+            </a:r>
           </a:p>
           <a:p>
             <a:pPr lvl="1">
@@ -5671,21 +5660,7 @@
                 <a:latin typeface="Times New Roman" pitchFamily="18" charset="0"/>
                 <a:cs typeface="Times New Roman" pitchFamily="18" charset="0"/>
               </a:rPr>
-              <a:t> This </a:t>
-            </a:r>
-            <a:r>
-              <a:rPr lang="en-US" dirty="0" smtClean="0">
-                <a:latin typeface="Times New Roman" pitchFamily="18" charset="0"/>
-                <a:cs typeface="Times New Roman" pitchFamily="18" charset="0"/>
-              </a:rPr>
-              <a:t>page is clearly titled "Enter Text for Sentiment Analysis," instructing users to type or paste text for sentiment analysis</a:t>
-            </a:r>
-            <a:r>
-              <a:rPr lang="en-US" dirty="0" smtClean="0">
-                <a:latin typeface="Times New Roman" pitchFamily="18" charset="0"/>
-                <a:cs typeface="Times New Roman" pitchFamily="18" charset="0"/>
-              </a:rPr>
-              <a:t>. </a:t>
+              <a:t> This page is clearly titled "Enter Text for Sentiment Analysis," instructing users to type or paste text for sentiment analysis. </a:t>
             </a:r>
           </a:p>
           <a:p>
@@ -5701,61 +5676,43 @@
                 <a:latin typeface="Times New Roman" pitchFamily="18" charset="0"/>
                 <a:cs typeface="Times New Roman" pitchFamily="18" charset="0"/>
               </a:rPr>
-              <a:t> Users </a:t>
+              <a:t> Users can conveniently select their preferred Transformer model from a dropdown: </a:t>
+            </a:r>
+            <a:r>
+              <a:rPr lang="en-US" b="1" dirty="0" err="1" smtClean="0">
+                <a:latin typeface="Times New Roman" pitchFamily="18" charset="0"/>
+                <a:cs typeface="Times New Roman" pitchFamily="18" charset="0"/>
+              </a:rPr>
+              <a:t>DistilBERT</a:t>
+            </a:r>
+            <a:r>
+              <a:rPr lang="en-US" b="1" dirty="0" smtClean="0">
+                <a:latin typeface="Times New Roman" pitchFamily="18" charset="0"/>
+                <a:cs typeface="Times New Roman" pitchFamily="18" charset="0"/>
+              </a:rPr>
+              <a:t> for Positive and Negative sentiment or </a:t>
+            </a:r>
+            <a:r>
+              <a:rPr lang="en-US" b="1" dirty="0" err="1" smtClean="0">
+                <a:latin typeface="Times New Roman" pitchFamily="18" charset="0"/>
+                <a:cs typeface="Times New Roman" pitchFamily="18" charset="0"/>
+              </a:rPr>
+              <a:t>RoBERTa</a:t>
+            </a:r>
+            <a:r>
+              <a:rPr lang="en-US" b="1" dirty="0" smtClean="0">
+                <a:latin typeface="Times New Roman" pitchFamily="18" charset="0"/>
+                <a:cs typeface="Times New Roman" pitchFamily="18" charset="0"/>
+              </a:rPr>
+              <a:t> for explicit Positive, Negative, and Neutral classifications.</a:t>
             </a:r>
             <a:r>
               <a:rPr lang="en-US" dirty="0" smtClean="0">
                 <a:latin typeface="Times New Roman" pitchFamily="18" charset="0"/>
                 <a:cs typeface="Times New Roman" pitchFamily="18" charset="0"/>
               </a:rPr>
-              <a:t>can conveniently select their preferred Transformer model from a dropdown: </a:t>
-            </a:r>
-            <a:r>
-              <a:rPr lang="en-US" b="1" dirty="0" err="1" smtClean="0">
-                <a:latin typeface="Times New Roman" pitchFamily="18" charset="0"/>
-                <a:cs typeface="Times New Roman" pitchFamily="18" charset="0"/>
-              </a:rPr>
-              <a:t>DistilBERT</a:t>
-            </a:r>
-            <a:r>
-              <a:rPr lang="en-US" b="1" dirty="0" smtClean="0">
-                <a:latin typeface="Times New Roman" pitchFamily="18" charset="0"/>
-                <a:cs typeface="Times New Roman" pitchFamily="18" charset="0"/>
-              </a:rPr>
-              <a:t> for Positive and Negative sentiment </a:t>
-            </a:r>
-            <a:r>
-              <a:rPr lang="en-US" b="1" dirty="0" smtClean="0">
-                <a:latin typeface="Times New Roman" pitchFamily="18" charset="0"/>
-                <a:cs typeface="Times New Roman" pitchFamily="18" charset="0"/>
-              </a:rPr>
-              <a:t>or </a:t>
-            </a:r>
-            <a:r>
-              <a:rPr lang="en-US" b="1" dirty="0" err="1" smtClean="0">
-                <a:latin typeface="Times New Roman" pitchFamily="18" charset="0"/>
-                <a:cs typeface="Times New Roman" pitchFamily="18" charset="0"/>
-              </a:rPr>
-              <a:t>RoBERTa</a:t>
-            </a:r>
-            <a:r>
-              <a:rPr lang="en-US" b="1" dirty="0" smtClean="0">
-                <a:latin typeface="Times New Roman" pitchFamily="18" charset="0"/>
-                <a:cs typeface="Times New Roman" pitchFamily="18" charset="0"/>
-              </a:rPr>
-              <a:t> for explicit Positive, Negative, and Neutral classifications.</a:t>
-            </a:r>
-            <a:r>
-              <a:rPr lang="en-US" dirty="0" smtClean="0">
-                <a:latin typeface="Times New Roman" pitchFamily="18" charset="0"/>
-                <a:cs typeface="Times New Roman" pitchFamily="18" charset="0"/>
-              </a:rPr>
               <a:t> </a:t>
             </a:r>
-            <a:endParaRPr lang="en-US" dirty="0" smtClean="0">
-              <a:latin typeface="Times New Roman" pitchFamily="18" charset="0"/>
-              <a:cs typeface="Times New Roman" pitchFamily="18" charset="0"/>
-            </a:endParaRPr>
           </a:p>
           <a:p>
             <a:pPr lvl="1">
@@ -5770,19 +5727,8 @@
                 <a:latin typeface="Times New Roman" pitchFamily="18" charset="0"/>
                 <a:cs typeface="Times New Roman" pitchFamily="18" charset="0"/>
               </a:rPr>
-              <a:t> A </a:t>
-            </a:r>
-            <a:r>
-              <a:rPr lang="en-US" dirty="0" smtClean="0">
-                <a:latin typeface="Times New Roman" pitchFamily="18" charset="0"/>
-                <a:cs typeface="Times New Roman" pitchFamily="18" charset="0"/>
-              </a:rPr>
-              <a:t>large text input box is provided for custom text entry, accompanied by a "Quick Examples" section with a dropdown for instant testing with pre-defined sentences. </a:t>
-            </a:r>
-            <a:endParaRPr lang="en-US" dirty="0" smtClean="0">
-              <a:latin typeface="Times New Roman" pitchFamily="18" charset="0"/>
-              <a:cs typeface="Times New Roman" pitchFamily="18" charset="0"/>
-            </a:endParaRPr>
+              <a:t> A large text input box is provided for custom text entry, accompanied by a "Quick Examples" section with a dropdown for instant testing with pre-defined sentences. </a:t>
+            </a:r>
           </a:p>
           <a:p>
             <a:pPr lvl="1">
@@ -5797,14 +5743,7 @@
                 <a:latin typeface="Times New Roman" pitchFamily="18" charset="0"/>
                 <a:cs typeface="Times New Roman" pitchFamily="18" charset="0"/>
               </a:rPr>
-              <a:t> The </a:t>
-            </a:r>
-            <a:r>
-              <a:rPr lang="en-US" dirty="0" smtClean="0">
-                <a:latin typeface="Times New Roman" pitchFamily="18" charset="0"/>
-                <a:cs typeface="Times New Roman" pitchFamily="18" charset="0"/>
-              </a:rPr>
-              <a:t>interaction is driven by an "Analyze Sentiment" button to process the input, alongside a "Clear Input" button for easily resetting the text field.</a:t>
+              <a:t> The interaction is driven by an "Analyze Sentiment" button to process the input, alongside a "Clear Input" button for easily resetting the text field.</a:t>
             </a:r>
             <a:endParaRPr lang="en-US" dirty="0">
               <a:latin typeface="Times New Roman" pitchFamily="18" charset="0"/>
@@ -5816,7 +5755,7 @@
     </p:spTree>
     <p:extLst>
       <p:ext uri="{BB962C8B-B14F-4D97-AF65-F5344CB8AC3E}">
-        <p14:creationId xmlns="" xmlns:p14="http://schemas.microsoft.com/office/powerpoint/2010/main" val="1964356539"/>
+        <p14:creationId xmlns:p14="http://schemas.microsoft.com/office/powerpoint/2010/main" xmlns="" val="1964356539"/>
       </p:ext>
     </p:extLst>
   </p:cSld>
@@ -5848,7 +5787,7 @@
           <p:cNvPr id="3" name="TextBox 2">
             <a:extLst>
               <a:ext uri="{FF2B5EF4-FFF2-40B4-BE49-F238E27FC236}">
-                <a16:creationId xmlns="" xmlns:a16="http://schemas.microsoft.com/office/drawing/2014/main" id="{D3AD5FF4-A641-BD2F-5074-3F1401959196}"/>
+                <a16:creationId xmlns:a16="http://schemas.microsoft.com/office/drawing/2014/main" xmlns="" id="{D3AD5FF4-A641-BD2F-5074-3F1401959196}"/>
               </a:ext>
             </a:extLst>
           </p:cNvPr>
@@ -5891,7 +5830,7 @@
           <p:cNvPr id="2" name="TextBox 1">
             <a:extLst>
               <a:ext uri="{FF2B5EF4-FFF2-40B4-BE49-F238E27FC236}">
-                <a16:creationId xmlns="" xmlns:a16="http://schemas.microsoft.com/office/drawing/2014/main" id="{AFCA1066-DE90-B9ED-A825-091C9B4FB27F}"/>
+                <a16:creationId xmlns:a16="http://schemas.microsoft.com/office/drawing/2014/main" xmlns="" id="{AFCA1066-DE90-B9ED-A825-091C9B4FB27F}"/>
               </a:ext>
             </a:extLst>
           </p:cNvPr>
@@ -5961,7 +5900,7 @@
           <p:cNvPr id="6" name="TextBox 5">
             <a:extLst>
               <a:ext uri="{FF2B5EF4-FFF2-40B4-BE49-F238E27FC236}">
-                <a16:creationId xmlns="" xmlns:a16="http://schemas.microsoft.com/office/drawing/2014/main" id="{DE88D264-FFA9-D79E-30EF-C6BB175A0CCB}"/>
+                <a16:creationId xmlns:a16="http://schemas.microsoft.com/office/drawing/2014/main" xmlns="" id="{DE88D264-FFA9-D79E-30EF-C6BB175A0CCB}"/>
               </a:ext>
             </a:extLst>
           </p:cNvPr>
@@ -6042,7 +5981,7 @@
     </p:spTree>
     <p:extLst>
       <p:ext uri="{BB962C8B-B14F-4D97-AF65-F5344CB8AC3E}">
-        <p14:creationId xmlns="" xmlns:p14="http://schemas.microsoft.com/office/powerpoint/2010/main" val="3801396899"/>
+        <p14:creationId xmlns:p14="http://schemas.microsoft.com/office/powerpoint/2010/main" xmlns="" val="3801396899"/>
       </p:ext>
     </p:extLst>
   </p:cSld>
@@ -6074,7 +6013,7 @@
           <p:cNvPr id="2" name="TextBox 1">
             <a:extLst>
               <a:ext uri="{FF2B5EF4-FFF2-40B4-BE49-F238E27FC236}">
-                <a16:creationId xmlns="" xmlns:a16="http://schemas.microsoft.com/office/drawing/2014/main" id="{3DB8BD26-0C84-9F96-3B56-40D0858229EA}"/>
+                <a16:creationId xmlns:a16="http://schemas.microsoft.com/office/drawing/2014/main" xmlns="" id="{3DB8BD26-0C84-9F96-3B56-40D0858229EA}"/>
               </a:ext>
             </a:extLst>
           </p:cNvPr>
@@ -6144,7 +6083,7 @@
           <p:cNvPr id="3" name="TextBox 2">
             <a:extLst>
               <a:ext uri="{FF2B5EF4-FFF2-40B4-BE49-F238E27FC236}">
-                <a16:creationId xmlns="" xmlns:a16="http://schemas.microsoft.com/office/drawing/2014/main" id="{7E33E57F-4DFC-F6BE-FE7C-6E9E7501D473}"/>
+                <a16:creationId xmlns:a16="http://schemas.microsoft.com/office/drawing/2014/main" xmlns="" id="{7E33E57F-4DFC-F6BE-FE7C-6E9E7501D473}"/>
               </a:ext>
             </a:extLst>
           </p:cNvPr>
@@ -6177,19 +6116,8 @@
                 <a:latin typeface="Times New Roman" pitchFamily="18" charset="0"/>
                 <a:cs typeface="Times New Roman" pitchFamily="18" charset="0"/>
               </a:rPr>
-              <a:t>3</a:t>
-            </a:r>
-            <a:r>
-              <a:rPr lang="en-US" b="1" dirty="0" smtClean="0">
-                <a:latin typeface="Times New Roman" pitchFamily="18" charset="0"/>
-                <a:cs typeface="Times New Roman" pitchFamily="18" charset="0"/>
-              </a:rPr>
-              <a:t>.  Sentiment Results Page	</a:t>
-            </a:r>
-            <a:endParaRPr lang="en-US" b="1" dirty="0" smtClean="0">
-              <a:latin typeface="Times New Roman" pitchFamily="18" charset="0"/>
-              <a:cs typeface="Times New Roman" pitchFamily="18" charset="0"/>
-            </a:endParaRPr>
+              <a:t>3.  Sentiment Results Page	</a:t>
+            </a:r>
           </a:p>
           <a:p>
             <a:pPr lvl="1">
@@ -6204,19 +6132,8 @@
                 <a:latin typeface="Times New Roman" pitchFamily="18" charset="0"/>
                 <a:cs typeface="Times New Roman" pitchFamily="18" charset="0"/>
               </a:rPr>
-              <a:t> This </a:t>
-            </a:r>
-            <a:r>
-              <a:rPr lang="en-US" dirty="0" smtClean="0">
-                <a:latin typeface="Times New Roman" pitchFamily="18" charset="0"/>
-                <a:cs typeface="Times New Roman" pitchFamily="18" charset="0"/>
-              </a:rPr>
-              <a:t>page displays the comprehensive outcome of the sentiment analysis, clearly titled "Current Sentiment Analysis Results." </a:t>
-            </a:r>
-            <a:endParaRPr lang="en-US" dirty="0" smtClean="0">
-              <a:latin typeface="Times New Roman" pitchFamily="18" charset="0"/>
-              <a:cs typeface="Times New Roman" pitchFamily="18" charset="0"/>
-            </a:endParaRPr>
+              <a:t> This page displays the comprehensive outcome of the sentiment analysis, clearly titled "Current Sentiment Analysis Results." </a:t>
+            </a:r>
           </a:p>
           <a:p>
             <a:pPr lvl="1">
@@ -6231,75 +6148,64 @@
                 <a:latin typeface="Times New Roman" pitchFamily="18" charset="0"/>
                 <a:cs typeface="Times New Roman" pitchFamily="18" charset="0"/>
               </a:rPr>
-              <a:t> It </a:t>
+              <a:t> It prominently shows the </a:t>
+            </a:r>
+            <a:r>
+              <a:rPr lang="en-US" b="1" dirty="0" smtClean="0">
+                <a:latin typeface="Times New Roman" pitchFamily="18" charset="0"/>
+                <a:cs typeface="Times New Roman" pitchFamily="18" charset="0"/>
+              </a:rPr>
+              <a:t>Original Text</a:t>
             </a:r>
             <a:r>
               <a:rPr lang="en-US" dirty="0" smtClean="0">
                 <a:latin typeface="Times New Roman" pitchFamily="18" charset="0"/>
                 <a:cs typeface="Times New Roman" pitchFamily="18" charset="0"/>
               </a:rPr>
-              <a:t>prominently shows the </a:t>
+              <a:t> that was analyzed, details the </a:t>
             </a:r>
             <a:r>
               <a:rPr lang="en-US" b="1" dirty="0" smtClean="0">
                 <a:latin typeface="Times New Roman" pitchFamily="18" charset="0"/>
                 <a:cs typeface="Times New Roman" pitchFamily="18" charset="0"/>
               </a:rPr>
-              <a:t>Original Text</a:t>
+              <a:t>Model Used</a:t>
             </a:r>
             <a:r>
               <a:rPr lang="en-US" dirty="0" smtClean="0">
                 <a:latin typeface="Times New Roman" pitchFamily="18" charset="0"/>
                 <a:cs typeface="Times New Roman" pitchFamily="18" charset="0"/>
               </a:rPr>
-              <a:t> that was analyzed, details the </a:t>
+              <a:t> for prediction (e.g., </a:t>
+            </a:r>
+            <a:r>
+              <a:rPr lang="en-US" dirty="0" err="1" smtClean="0">
+                <a:latin typeface="Times New Roman" pitchFamily="18" charset="0"/>
+                <a:cs typeface="Times New Roman" pitchFamily="18" charset="0"/>
+              </a:rPr>
+              <a:t>RoBERTa</a:t>
+            </a:r>
+            <a:r>
+              <a:rPr lang="en-US" dirty="0" smtClean="0">
+                <a:latin typeface="Times New Roman" pitchFamily="18" charset="0"/>
+                <a:cs typeface="Times New Roman" pitchFamily="18" charset="0"/>
+              </a:rPr>
+              <a:t> with its label mapping), and provides the </a:t>
             </a:r>
             <a:r>
               <a:rPr lang="en-US" b="1" dirty="0" smtClean="0">
                 <a:latin typeface="Times New Roman" pitchFamily="18" charset="0"/>
                 <a:cs typeface="Times New Roman" pitchFamily="18" charset="0"/>
               </a:rPr>
-              <a:t>Model Used</a:t>
+              <a:t>Analysis Time</a:t>
             </a:r>
             <a:r>
               <a:rPr lang="en-US" dirty="0" smtClean="0">
                 <a:latin typeface="Times New Roman" pitchFamily="18" charset="0"/>
                 <a:cs typeface="Times New Roman" pitchFamily="18" charset="0"/>
               </a:rPr>
-              <a:t> for prediction (e.g., </a:t>
-            </a:r>
-            <a:r>
-              <a:rPr lang="en-US" dirty="0" err="1" smtClean="0">
-                <a:latin typeface="Times New Roman" pitchFamily="18" charset="0"/>
-                <a:cs typeface="Times New Roman" pitchFamily="18" charset="0"/>
-              </a:rPr>
-              <a:t>RoBERTa</a:t>
-            </a:r>
-            <a:r>
-              <a:rPr lang="en-US" dirty="0" smtClean="0">
-                <a:latin typeface="Times New Roman" pitchFamily="18" charset="0"/>
-                <a:cs typeface="Times New Roman" pitchFamily="18" charset="0"/>
-              </a:rPr>
-              <a:t> with its label mapping), and provides the </a:t>
-            </a:r>
-            <a:r>
-              <a:rPr lang="en-US" b="1" dirty="0" smtClean="0">
-                <a:latin typeface="Times New Roman" pitchFamily="18" charset="0"/>
-                <a:cs typeface="Times New Roman" pitchFamily="18" charset="0"/>
-              </a:rPr>
-              <a:t>Analysis Time</a:t>
-            </a:r>
-            <a:r>
-              <a:rPr lang="en-US" dirty="0" smtClean="0">
-                <a:latin typeface="Times New Roman" pitchFamily="18" charset="0"/>
-                <a:cs typeface="Times New Roman" pitchFamily="18" charset="0"/>
-              </a:rPr>
               <a:t>. </a:t>
             </a:r>
-            <a:endParaRPr lang="en-US" dirty="0" smtClean="0">
-              <a:latin typeface="Times New Roman" pitchFamily="18" charset="0"/>
-              <a:cs typeface="Times New Roman" pitchFamily="18" charset="0"/>
-            </a:endParaRPr>
           </a:p>
           <a:p>
             <a:pPr lvl="1">
@@ -6314,47 +6220,36 @@
                 <a:latin typeface="Times New Roman" pitchFamily="18" charset="0"/>
                 <a:cs typeface="Times New Roman" pitchFamily="18" charset="0"/>
               </a:rPr>
-              <a:t> An </a:t>
+              <a:t> An "Analysis Summary" section presents the </a:t>
+            </a:r>
+            <a:r>
+              <a:rPr lang="en-US" b="1" dirty="0" smtClean="0">
+                <a:latin typeface="Times New Roman" pitchFamily="18" charset="0"/>
+                <a:cs typeface="Times New Roman" pitchFamily="18" charset="0"/>
+              </a:rPr>
+              <a:t>Overall Sentiment</a:t>
             </a:r>
             <a:r>
               <a:rPr lang="en-US" dirty="0" smtClean="0">
                 <a:latin typeface="Times New Roman" pitchFamily="18" charset="0"/>
                 <a:cs typeface="Times New Roman" pitchFamily="18" charset="0"/>
               </a:rPr>
-              <a:t>"Analysis Summary" section presents the </a:t>
+              <a:t> (e.g., Negative, highlighted visually) along with the prediction's </a:t>
             </a:r>
             <a:r>
               <a:rPr lang="en-US" b="1" dirty="0" smtClean="0">
                 <a:latin typeface="Times New Roman" pitchFamily="18" charset="0"/>
                 <a:cs typeface="Times New Roman" pitchFamily="18" charset="0"/>
               </a:rPr>
-              <a:t>Overall Sentiment</a:t>
+              <a:t>Confidence Score</a:t>
             </a:r>
             <a:r>
               <a:rPr lang="en-US" dirty="0" smtClean="0">
                 <a:latin typeface="Times New Roman" pitchFamily="18" charset="0"/>
                 <a:cs typeface="Times New Roman" pitchFamily="18" charset="0"/>
               </a:rPr>
-              <a:t> (e.g., Negative, highlighted visually) along with the prediction's </a:t>
-            </a:r>
-            <a:r>
-              <a:rPr lang="en-US" b="1" dirty="0" smtClean="0">
-                <a:latin typeface="Times New Roman" pitchFamily="18" charset="0"/>
-                <a:cs typeface="Times New Roman" pitchFamily="18" charset="0"/>
-              </a:rPr>
-              <a:t>Confidence Score</a:t>
-            </a:r>
-            <a:r>
-              <a:rPr lang="en-US" dirty="0" smtClean="0">
-                <a:latin typeface="Times New Roman" pitchFamily="18" charset="0"/>
-                <a:cs typeface="Times New Roman" pitchFamily="18" charset="0"/>
-              </a:rPr>
               <a:t>. </a:t>
             </a:r>
-            <a:endParaRPr lang="en-US" dirty="0" smtClean="0">
-              <a:latin typeface="Times New Roman" pitchFamily="18" charset="0"/>
-              <a:cs typeface="Times New Roman" pitchFamily="18" charset="0"/>
-            </a:endParaRPr>
           </a:p>
           <a:p>
             <a:pPr lvl="1">
@@ -6369,19 +6264,8 @@
                 <a:latin typeface="Times New Roman" pitchFamily="18" charset="0"/>
                 <a:cs typeface="Times New Roman" pitchFamily="18" charset="0"/>
               </a:rPr>
-              <a:t> A </a:t>
-            </a:r>
-            <a:r>
-              <a:rPr lang="en-US" dirty="0" smtClean="0">
-                <a:latin typeface="Times New Roman" pitchFamily="18" charset="0"/>
-                <a:cs typeface="Times New Roman" pitchFamily="18" charset="0"/>
-              </a:rPr>
-              <a:t>dedicated section for "Raw Probability Scores" breaks down the likelihood for each sentiment class (e.g., Negative, Neutral, Positive) with exact percentages. </a:t>
-            </a:r>
-            <a:endParaRPr lang="en-US" dirty="0" smtClean="0">
-              <a:latin typeface="Times New Roman" pitchFamily="18" charset="0"/>
-              <a:cs typeface="Times New Roman" pitchFamily="18" charset="0"/>
-            </a:endParaRPr>
+              <a:t> A dedicated section for "Raw Probability Scores" breaks down the likelihood for each sentiment class (e.g., Negative, Neutral, Positive) with exact percentages. </a:t>
+            </a:r>
           </a:p>
           <a:p>
             <a:pPr lvl="1">
@@ -6396,21 +6280,7 @@
                 <a:latin typeface="Times New Roman" pitchFamily="18" charset="0"/>
                 <a:cs typeface="Times New Roman" pitchFamily="18" charset="0"/>
               </a:rPr>
-              <a:t> </a:t>
-            </a:r>
-            <a:r>
-              <a:rPr lang="en-US" dirty="0" smtClean="0">
-                <a:latin typeface="Times New Roman" pitchFamily="18" charset="0"/>
-                <a:cs typeface="Times New Roman" pitchFamily="18" charset="0"/>
-              </a:rPr>
-              <a:t>At </a:t>
-            </a:r>
-            <a:r>
-              <a:rPr lang="en-US" dirty="0" smtClean="0">
-                <a:latin typeface="Times New Roman" pitchFamily="18" charset="0"/>
-                <a:cs typeface="Times New Roman" pitchFamily="18" charset="0"/>
-              </a:rPr>
-              <a:t>the bottom, users are provided with actionable buttons to "Analyze Another Text" or "View Analysis History," facilitating further interaction.</a:t>
+              <a:t> At the bottom, users are provided with actionable buttons to "Analyze Another Text" or "View Analysis History," facilitating further interaction.</a:t>
             </a:r>
             <a:endParaRPr lang="en-US" dirty="0">
               <a:latin typeface="Times New Roman" pitchFamily="18" charset="0"/>
@@ -6526,14 +6396,7 @@
                 <a:latin typeface="Times New Roman" panose="02020603050405020304" pitchFamily="18" charset="0"/>
                 <a:cs typeface="Times New Roman" panose="02020603050405020304" pitchFamily="18" charset="0"/>
               </a:rPr>
-              <a:t>Screenshot of </a:t>
-            </a:r>
-            <a:r>
-              <a:rPr lang="en-US" b="1" dirty="0" smtClean="0">
-                <a:latin typeface="Times New Roman" panose="02020603050405020304" pitchFamily="18" charset="0"/>
-                <a:cs typeface="Times New Roman" panose="02020603050405020304" pitchFamily="18" charset="0"/>
-              </a:rPr>
-              <a:t> Sentiment Results Page</a:t>
+              <a:t>Screenshot of  Sentiment Results Page</a:t>
             </a:r>
             <a:endParaRPr lang="en-US" b="1" dirty="0">
               <a:latin typeface="Times New Roman" panose="02020603050405020304" pitchFamily="18" charset="0"/>
@@ -6605,7 +6468,7 @@
           <p:cNvPr id="2" name="TextBox 1">
             <a:extLst>
               <a:ext uri="{FF2B5EF4-FFF2-40B4-BE49-F238E27FC236}">
-                <a16:creationId xmlns="" xmlns:a16="http://schemas.microsoft.com/office/drawing/2014/main" id="{3DB8BD26-0C84-9F96-3B56-40D0858229EA}"/>
+                <a16:creationId xmlns:a16="http://schemas.microsoft.com/office/drawing/2014/main" xmlns="" id="{3DB8BD26-0C84-9F96-3B56-40D0858229EA}"/>
               </a:ext>
             </a:extLst>
           </p:cNvPr>
@@ -6675,7 +6538,7 @@
           <p:cNvPr id="3" name="TextBox 2">
             <a:extLst>
               <a:ext uri="{FF2B5EF4-FFF2-40B4-BE49-F238E27FC236}">
-                <a16:creationId xmlns="" xmlns:a16="http://schemas.microsoft.com/office/drawing/2014/main" id="{7E33E57F-4DFC-F6BE-FE7C-6E9E7501D473}"/>
+                <a16:creationId xmlns:a16="http://schemas.microsoft.com/office/drawing/2014/main" xmlns="" id="{7E33E57F-4DFC-F6BE-FE7C-6E9E7501D473}"/>
               </a:ext>
             </a:extLst>
           </p:cNvPr>
@@ -6708,19 +6571,8 @@
                 <a:latin typeface="Times New Roman" pitchFamily="18" charset="0"/>
                 <a:cs typeface="Times New Roman" pitchFamily="18" charset="0"/>
               </a:rPr>
-              <a:t>4</a:t>
-            </a:r>
-            <a:r>
-              <a:rPr lang="en-US" b="1" dirty="0" smtClean="0">
-                <a:latin typeface="Times New Roman" pitchFamily="18" charset="0"/>
-                <a:cs typeface="Times New Roman" pitchFamily="18" charset="0"/>
-              </a:rPr>
-              <a:t>.  Analysis History Page	</a:t>
-            </a:r>
-            <a:endParaRPr lang="en-US" b="1" dirty="0" smtClean="0">
-              <a:latin typeface="Times New Roman" pitchFamily="18" charset="0"/>
-              <a:cs typeface="Times New Roman" pitchFamily="18" charset="0"/>
-            </a:endParaRPr>
+              <a:t>4.  Analysis History Page	</a:t>
+            </a:r>
           </a:p>
           <a:p>
             <a:pPr lvl="1">
@@ -6735,14 +6587,7 @@
                 <a:latin typeface="Times New Roman" pitchFamily="18" charset="0"/>
                 <a:cs typeface="Times New Roman" pitchFamily="18" charset="0"/>
               </a:rPr>
-              <a:t> This </a:t>
-            </a:r>
-            <a:r>
-              <a:rPr lang="en-US" dirty="0" smtClean="0">
-                <a:latin typeface="Times New Roman" pitchFamily="18" charset="0"/>
-                <a:cs typeface="Times New Roman" pitchFamily="18" charset="0"/>
-              </a:rPr>
-              <a:t>page provides a record of past sentiment analyses, with each entry clearly labeled (e.g., "Analysis #1") and </a:t>
+              <a:t> This page provides a record of past sentiment analyses, with each entry clearly labeled (e.g., "Analysis #1") and </a:t>
             </a:r>
             <a:r>
               <a:rPr lang="en-US" dirty="0" err="1" smtClean="0">
@@ -6772,63 +6617,49 @@
                 <a:latin typeface="Times New Roman" pitchFamily="18" charset="0"/>
                 <a:cs typeface="Times New Roman" pitchFamily="18" charset="0"/>
               </a:rPr>
-              <a:t> For </a:t>
+              <a:t> For each historical entry, the </a:t>
+            </a:r>
+            <a:r>
+              <a:rPr lang="en-US" b="1" dirty="0" smtClean="0">
+                <a:latin typeface="Times New Roman" pitchFamily="18" charset="0"/>
+                <a:cs typeface="Times New Roman" pitchFamily="18" charset="0"/>
+              </a:rPr>
+              <a:t>Original Text</a:t>
             </a:r>
             <a:r>
               <a:rPr lang="en-US" dirty="0" smtClean="0">
                 <a:latin typeface="Times New Roman" pitchFamily="18" charset="0"/>
                 <a:cs typeface="Times New Roman" pitchFamily="18" charset="0"/>
               </a:rPr>
-              <a:t>each historical entry, the </a:t>
+              <a:t>, its determined </a:t>
             </a:r>
             <a:r>
               <a:rPr lang="en-US" b="1" dirty="0" smtClean="0">
                 <a:latin typeface="Times New Roman" pitchFamily="18" charset="0"/>
                 <a:cs typeface="Times New Roman" pitchFamily="18" charset="0"/>
               </a:rPr>
-              <a:t>Original Text</a:t>
+              <a:t>Sentiment</a:t>
             </a:r>
             <a:r>
               <a:rPr lang="en-US" dirty="0" smtClean="0">
                 <a:latin typeface="Times New Roman" pitchFamily="18" charset="0"/>
                 <a:cs typeface="Times New Roman" pitchFamily="18" charset="0"/>
               </a:rPr>
-              <a:t>, its determined </a:t>
+              <a:t> (with confidence score), and the specific </a:t>
             </a:r>
             <a:r>
               <a:rPr lang="en-US" b="1" dirty="0" smtClean="0">
                 <a:latin typeface="Times New Roman" pitchFamily="18" charset="0"/>
                 <a:cs typeface="Times New Roman" pitchFamily="18" charset="0"/>
               </a:rPr>
-              <a:t>Sentiment</a:t>
+              <a:t>Model Used</a:t>
             </a:r>
             <a:r>
               <a:rPr lang="en-US" dirty="0" smtClean="0">
                 <a:latin typeface="Times New Roman" pitchFamily="18" charset="0"/>
                 <a:cs typeface="Times New Roman" pitchFamily="18" charset="0"/>
               </a:rPr>
-              <a:t> (with confidence score), and the specific </a:t>
-            </a:r>
-            <a:r>
-              <a:rPr lang="en-US" b="1" dirty="0" smtClean="0">
-                <a:latin typeface="Times New Roman" pitchFamily="18" charset="0"/>
-                <a:cs typeface="Times New Roman" pitchFamily="18" charset="0"/>
-              </a:rPr>
-              <a:t>Model Used</a:t>
-            </a:r>
-            <a:r>
-              <a:rPr lang="en-US" dirty="0" smtClean="0">
-                <a:latin typeface="Times New Roman" pitchFamily="18" charset="0"/>
-                <a:cs typeface="Times New Roman" pitchFamily="18" charset="0"/>
-              </a:rPr>
-              <a:t> for that analysis are displayed</a:t>
-            </a:r>
-            <a:r>
-              <a:rPr lang="en-US" dirty="0" smtClean="0">
-                <a:latin typeface="Times New Roman" pitchFamily="18" charset="0"/>
-                <a:cs typeface="Times New Roman" pitchFamily="18" charset="0"/>
-              </a:rPr>
-              <a:t>.</a:t>
+              <a:t> for that analysis are displayed.</a:t>
             </a:r>
           </a:p>
           <a:p>
@@ -6844,35 +6675,21 @@
                 <a:latin typeface="Times New Roman" pitchFamily="18" charset="0"/>
                 <a:cs typeface="Times New Roman" pitchFamily="18" charset="0"/>
               </a:rPr>
-              <a:t> Users </a:t>
+              <a:t> Users can optionally </a:t>
+            </a:r>
+            <a:r>
+              <a:rPr lang="en-US" b="1" dirty="0" smtClean="0">
+                <a:latin typeface="Times New Roman" pitchFamily="18" charset="0"/>
+                <a:cs typeface="Times New Roman" pitchFamily="18" charset="0"/>
+              </a:rPr>
+              <a:t>expand to view the Raw Probabilities</a:t>
             </a:r>
             <a:r>
               <a:rPr lang="en-US" dirty="0" smtClean="0">
                 <a:latin typeface="Times New Roman" pitchFamily="18" charset="0"/>
                 <a:cs typeface="Times New Roman" pitchFamily="18" charset="0"/>
               </a:rPr>
-              <a:t>can optionally </a:t>
-            </a:r>
-            <a:r>
-              <a:rPr lang="en-US" b="1" dirty="0" smtClean="0">
-                <a:latin typeface="Times New Roman" pitchFamily="18" charset="0"/>
-                <a:cs typeface="Times New Roman" pitchFamily="18" charset="0"/>
-              </a:rPr>
-              <a:t>expand to view the Raw Probabilities</a:t>
-            </a:r>
-            <a:r>
-              <a:rPr lang="en-US" dirty="0" smtClean="0">
-                <a:latin typeface="Times New Roman" pitchFamily="18" charset="0"/>
-                <a:cs typeface="Times New Roman" pitchFamily="18" charset="0"/>
-              </a:rPr>
-              <a:t> for any past analysis, offering deeper insight into the prediction</a:t>
-            </a:r>
-            <a:r>
-              <a:rPr lang="en-US" dirty="0" smtClean="0">
-                <a:latin typeface="Times New Roman" pitchFamily="18" charset="0"/>
-                <a:cs typeface="Times New Roman" pitchFamily="18" charset="0"/>
-              </a:rPr>
-              <a:t>.</a:t>
+              <a:t> for any past analysis, offering deeper insight into the prediction.</a:t>
             </a:r>
           </a:p>
           <a:p>
@@ -6888,21 +6705,7 @@
                 <a:latin typeface="Times New Roman" pitchFamily="18" charset="0"/>
                 <a:cs typeface="Times New Roman" pitchFamily="18" charset="0"/>
               </a:rPr>
-              <a:t> Action </a:t>
-            </a:r>
-            <a:r>
-              <a:rPr lang="en-US" dirty="0" smtClean="0">
-                <a:latin typeface="Times New Roman" pitchFamily="18" charset="0"/>
-                <a:cs typeface="Times New Roman" pitchFamily="18" charset="0"/>
-              </a:rPr>
-              <a:t>buttons allow users to "Clear History" to remove all recorded analyses or "Go to Analyze Sentiment Page" to perform a new analysis</a:t>
-            </a:r>
-            <a:r>
-              <a:rPr lang="en-US" dirty="0" smtClean="0">
-                <a:latin typeface="Times New Roman" pitchFamily="18" charset="0"/>
-                <a:cs typeface="Times New Roman" pitchFamily="18" charset="0"/>
-              </a:rPr>
-              <a:t>.</a:t>
+              <a:t> Action buttons allow users to "Clear History" to remove all recorded analyses or "Go to Analyze Sentiment Page" to perform a new analysis.</a:t>
             </a:r>
           </a:p>
           <a:p>
@@ -6918,21 +6721,7 @@
                 <a:latin typeface="Times New Roman" pitchFamily="18" charset="0"/>
                 <a:cs typeface="Times New Roman" pitchFamily="18" charset="0"/>
               </a:rPr>
-              <a:t> </a:t>
-            </a:r>
-            <a:r>
-              <a:rPr lang="en-US" dirty="0" smtClean="0">
-                <a:latin typeface="Times New Roman" pitchFamily="18" charset="0"/>
-                <a:cs typeface="Times New Roman" pitchFamily="18" charset="0"/>
-              </a:rPr>
-              <a:t>A </a:t>
-            </a:r>
-            <a:r>
-              <a:rPr lang="en-US" dirty="0" smtClean="0">
-                <a:latin typeface="Times New Roman" pitchFamily="18" charset="0"/>
-                <a:cs typeface="Times New Roman" pitchFamily="18" charset="0"/>
-              </a:rPr>
-              <a:t>clear disclaimer informs users that the history is automatically cleared when the browser tab is closed.</a:t>
+              <a:t> A clear disclaimer informs users that the history is automatically cleared when the browser tab is closed.</a:t>
             </a:r>
             <a:endParaRPr lang="en-US" dirty="0">
               <a:latin typeface="Times New Roman" pitchFamily="18" charset="0"/>
@@ -7030,7 +6819,7 @@
         <p:spPr>
           <a:xfrm>
             <a:off x="4368492" y="5604979"/>
-            <a:ext cx="2976199" cy="369332"/>
+            <a:ext cx="3777701" cy="369332"/>
           </a:xfrm>
           <a:prstGeom prst="rect">
             <a:avLst/>
@@ -7048,14 +6837,14 @@
                 <a:latin typeface="Times New Roman" panose="02020603050405020304" pitchFamily="18" charset="0"/>
                 <a:cs typeface="Times New Roman" panose="02020603050405020304" pitchFamily="18" charset="0"/>
               </a:rPr>
-              <a:t>Screenshot of </a:t>
+              <a:t>Screenshot of  Analysis </a:t>
             </a:r>
             <a:r>
               <a:rPr lang="en-US" b="1" dirty="0" smtClean="0">
                 <a:latin typeface="Times New Roman" panose="02020603050405020304" pitchFamily="18" charset="0"/>
                 <a:cs typeface="Times New Roman" panose="02020603050405020304" pitchFamily="18" charset="0"/>
               </a:rPr>
-              <a:t> Analysis Page</a:t>
+              <a:t>History Page</a:t>
             </a:r>
             <a:endParaRPr lang="en-US" b="1" dirty="0">
               <a:latin typeface="Times New Roman" panose="02020603050405020304" pitchFamily="18" charset="0"/>
@@ -7127,7 +6916,7 @@
           <p:cNvPr id="3" name="TextBox 2">
             <a:extLst>
               <a:ext uri="{FF2B5EF4-FFF2-40B4-BE49-F238E27FC236}">
-                <a16:creationId xmlns="" xmlns:a16="http://schemas.microsoft.com/office/drawing/2014/main" id="{5ABB1621-AB27-6BC8-2ECD-F5A3FD7C9F5D}"/>
+                <a16:creationId xmlns:a16="http://schemas.microsoft.com/office/drawing/2014/main" xmlns="" id="{5ABB1621-AB27-6BC8-2ECD-F5A3FD7C9F5D}"/>
               </a:ext>
             </a:extLst>
           </p:cNvPr>
@@ -7170,7 +6959,7 @@
           <p:cNvPr id="2" name="TextBox 1">
             <a:extLst>
               <a:ext uri="{FF2B5EF4-FFF2-40B4-BE49-F238E27FC236}">
-                <a16:creationId xmlns="" xmlns:a16="http://schemas.microsoft.com/office/drawing/2014/main" id="{96D0F9A3-4399-E07F-B9AD-978289EEDC00}"/>
+                <a16:creationId xmlns:a16="http://schemas.microsoft.com/office/drawing/2014/main" xmlns="" id="{96D0F9A3-4399-E07F-B9AD-978289EEDC00}"/>
               </a:ext>
             </a:extLst>
           </p:cNvPr>
@@ -7240,7 +7029,7 @@
           <p:cNvPr id="4" name="TextBox 3">
             <a:extLst>
               <a:ext uri="{FF2B5EF4-FFF2-40B4-BE49-F238E27FC236}">
-                <a16:creationId xmlns="" xmlns:a16="http://schemas.microsoft.com/office/drawing/2014/main" id="{C30E001E-36CD-EE29-AE87-F5834D0870CC}"/>
+                <a16:creationId xmlns:a16="http://schemas.microsoft.com/office/drawing/2014/main" xmlns="" id="{C30E001E-36CD-EE29-AE87-F5834D0870CC}"/>
               </a:ext>
             </a:extLst>
           </p:cNvPr>
@@ -7376,7 +7165,7 @@
     </p:spTree>
     <p:extLst>
       <p:ext uri="{BB962C8B-B14F-4D97-AF65-F5344CB8AC3E}">
-        <p14:creationId xmlns="" xmlns:p14="http://schemas.microsoft.com/office/powerpoint/2010/main" val="63063377"/>
+        <p14:creationId xmlns:p14="http://schemas.microsoft.com/office/powerpoint/2010/main" xmlns="" val="63063377"/>
       </p:ext>
     </p:extLst>
   </p:cSld>
@@ -7408,7 +7197,7 @@
           <p:cNvPr id="5" name="TextBox 4">
             <a:extLst>
               <a:ext uri="{FF2B5EF4-FFF2-40B4-BE49-F238E27FC236}">
-                <a16:creationId xmlns="" xmlns:a16="http://schemas.microsoft.com/office/drawing/2014/main" id="{904DA26A-2C07-F6F8-DED7-8D874ABC4EF4}"/>
+                <a16:creationId xmlns:a16="http://schemas.microsoft.com/office/drawing/2014/main" xmlns="" id="{904DA26A-2C07-F6F8-DED7-8D874ABC4EF4}"/>
               </a:ext>
             </a:extLst>
           </p:cNvPr>
@@ -7683,7 +7472,7 @@
           <p:cNvPr id="7" name="TextBox 6">
             <a:extLst>
               <a:ext uri="{FF2B5EF4-FFF2-40B4-BE49-F238E27FC236}">
-                <a16:creationId xmlns="" xmlns:a16="http://schemas.microsoft.com/office/drawing/2014/main" id="{1FBCDAA3-6C3C-613A-6986-27E686056542}"/>
+                <a16:creationId xmlns:a16="http://schemas.microsoft.com/office/drawing/2014/main" xmlns="" id="{1FBCDAA3-6C3C-613A-6986-27E686056542}"/>
               </a:ext>
             </a:extLst>
           </p:cNvPr>
@@ -7726,7 +7515,7 @@
           <p:cNvPr id="2" name="TextBox 1">
             <a:extLst>
               <a:ext uri="{FF2B5EF4-FFF2-40B4-BE49-F238E27FC236}">
-                <a16:creationId xmlns="" xmlns:a16="http://schemas.microsoft.com/office/drawing/2014/main" id="{0046161D-F660-A700-2EF1-1FE7C0FBF53C}"/>
+                <a16:creationId xmlns:a16="http://schemas.microsoft.com/office/drawing/2014/main" xmlns="" id="{0046161D-F660-A700-2EF1-1FE7C0FBF53C}"/>
               </a:ext>
             </a:extLst>
           </p:cNvPr>
@@ -7794,7 +7583,7 @@
     </p:spTree>
     <p:extLst>
       <p:ext uri="{BB962C8B-B14F-4D97-AF65-F5344CB8AC3E}">
-        <p14:creationId xmlns="" xmlns:p14="http://schemas.microsoft.com/office/powerpoint/2010/main" val="1864223926"/>
+        <p14:creationId xmlns:p14="http://schemas.microsoft.com/office/powerpoint/2010/main" xmlns="" val="1864223926"/>
       </p:ext>
     </p:extLst>
   </p:cSld>
@@ -7826,7 +7615,7 @@
           <p:cNvPr id="3" name="TextBox 2">
             <a:extLst>
               <a:ext uri="{FF2B5EF4-FFF2-40B4-BE49-F238E27FC236}">
-                <a16:creationId xmlns="" xmlns:a16="http://schemas.microsoft.com/office/drawing/2014/main" id="{7DACA468-9D2B-E7E6-519D-F54D992B9EDB}"/>
+                <a16:creationId xmlns:a16="http://schemas.microsoft.com/office/drawing/2014/main" xmlns="" id="{7DACA468-9D2B-E7E6-519D-F54D992B9EDB}"/>
               </a:ext>
             </a:extLst>
           </p:cNvPr>
@@ -7869,7 +7658,7 @@
           <p:cNvPr id="4" name="TextBox 3">
             <a:extLst>
               <a:ext uri="{FF2B5EF4-FFF2-40B4-BE49-F238E27FC236}">
-                <a16:creationId xmlns="" xmlns:a16="http://schemas.microsoft.com/office/drawing/2014/main" id="{4B82FED2-AF2C-79BF-8236-52E64C49689A}"/>
+                <a16:creationId xmlns:a16="http://schemas.microsoft.com/office/drawing/2014/main" xmlns="" id="{4B82FED2-AF2C-79BF-8236-52E64C49689A}"/>
               </a:ext>
             </a:extLst>
           </p:cNvPr>
@@ -7939,7 +7728,7 @@
           <p:cNvPr id="2" name="TextBox 1">
             <a:extLst>
               <a:ext uri="{FF2B5EF4-FFF2-40B4-BE49-F238E27FC236}">
-                <a16:creationId xmlns="" xmlns:a16="http://schemas.microsoft.com/office/drawing/2014/main" id="{65C990AF-4CF3-89B2-F157-9519FE0D9E61}"/>
+                <a16:creationId xmlns:a16="http://schemas.microsoft.com/office/drawing/2014/main" xmlns="" id="{65C990AF-4CF3-89B2-F157-9519FE0D9E61}"/>
               </a:ext>
             </a:extLst>
           </p:cNvPr>
@@ -8033,7 +7822,7 @@
     </p:spTree>
     <p:extLst>
       <p:ext uri="{BB962C8B-B14F-4D97-AF65-F5344CB8AC3E}">
-        <p14:creationId xmlns="" xmlns:p14="http://schemas.microsoft.com/office/powerpoint/2010/main" val="1000955555"/>
+        <p14:creationId xmlns:p14="http://schemas.microsoft.com/office/powerpoint/2010/main" xmlns="" val="1000955555"/>
       </p:ext>
     </p:extLst>
   </p:cSld>
@@ -8065,7 +7854,7 @@
           <p:cNvPr id="3" name="TextBox 2">
             <a:extLst>
               <a:ext uri="{FF2B5EF4-FFF2-40B4-BE49-F238E27FC236}">
-                <a16:creationId xmlns="" xmlns:a16="http://schemas.microsoft.com/office/drawing/2014/main" id="{3489510E-65DB-C0BF-E9DE-186F1CC6F17C}"/>
+                <a16:creationId xmlns:a16="http://schemas.microsoft.com/office/drawing/2014/main" xmlns="" id="{3489510E-65DB-C0BF-E9DE-186F1CC6F17C}"/>
               </a:ext>
             </a:extLst>
           </p:cNvPr>
@@ -8108,7 +7897,7 @@
           <p:cNvPr id="2" name="TextBox 1">
             <a:extLst>
               <a:ext uri="{FF2B5EF4-FFF2-40B4-BE49-F238E27FC236}">
-                <a16:creationId xmlns="" xmlns:a16="http://schemas.microsoft.com/office/drawing/2014/main" id="{80ECB5C8-3E12-AB0D-56FA-F685B10E7AD5}"/>
+                <a16:creationId xmlns:a16="http://schemas.microsoft.com/office/drawing/2014/main" xmlns="" id="{80ECB5C8-3E12-AB0D-56FA-F685B10E7AD5}"/>
               </a:ext>
             </a:extLst>
           </p:cNvPr>
@@ -8178,7 +7967,7 @@
           <p:cNvPr id="4" name="TextBox 3">
             <a:extLst>
               <a:ext uri="{FF2B5EF4-FFF2-40B4-BE49-F238E27FC236}">
-                <a16:creationId xmlns="" xmlns:a16="http://schemas.microsoft.com/office/drawing/2014/main" id="{F4A5CD47-29D2-B3BA-F75C-4FE60C607249}"/>
+                <a16:creationId xmlns:a16="http://schemas.microsoft.com/office/drawing/2014/main" xmlns="" id="{F4A5CD47-29D2-B3BA-F75C-4FE60C607249}"/>
               </a:ext>
             </a:extLst>
           </p:cNvPr>
@@ -8255,10 +8044,6 @@
               </a:rPr>
               <a:t>, CLU has seen significant improvements. These models leverage self-attention mechanisms to understand the meaning of a word based on its surrounding context, making them highly effective for discerning emotional tone. </a:t>
             </a:r>
-            <a:endParaRPr lang="en-US" dirty="0" smtClean="0">
-              <a:latin typeface="Times New Roman" pitchFamily="18" charset="0"/>
-              <a:cs typeface="Times New Roman" pitchFamily="18" charset="0"/>
-            </a:endParaRPr>
           </a:p>
           <a:p>
             <a:pPr algn="just">
@@ -8282,14 +8067,7 @@
                 <a:latin typeface="Times New Roman" pitchFamily="18" charset="0"/>
                 <a:cs typeface="Times New Roman" pitchFamily="18" charset="0"/>
               </a:rPr>
-              <a:t>This </a:t>
-            </a:r>
-            <a:r>
-              <a:rPr lang="en-US" dirty="0" smtClean="0">
-                <a:latin typeface="Times New Roman" pitchFamily="18" charset="0"/>
-                <a:cs typeface="Times New Roman" pitchFamily="18" charset="0"/>
-              </a:rPr>
-              <a:t>project explores CLU for </a:t>
+              <a:t>This project explores CLU for </a:t>
             </a:r>
             <a:r>
               <a:rPr lang="en-US" b="1" dirty="0" smtClean="0">
@@ -8343,7 +8121,7 @@
     </p:spTree>
     <p:extLst>
       <p:ext uri="{BB962C8B-B14F-4D97-AF65-F5344CB8AC3E}">
-        <p14:creationId xmlns="" xmlns:p14="http://schemas.microsoft.com/office/powerpoint/2010/main" val="3392802510"/>
+        <p14:creationId xmlns:p14="http://schemas.microsoft.com/office/powerpoint/2010/main" xmlns="" val="3392802510"/>
       </p:ext>
     </p:extLst>
   </p:cSld>
@@ -8375,7 +8153,7 @@
           <p:cNvPr id="3" name="TextBox 2">
             <a:extLst>
               <a:ext uri="{FF2B5EF4-FFF2-40B4-BE49-F238E27FC236}">
-                <a16:creationId xmlns="" xmlns:a16="http://schemas.microsoft.com/office/drawing/2014/main" id="{E6F6D699-F826-6EE4-C6FC-9EC1ED9E3482}"/>
+                <a16:creationId xmlns:a16="http://schemas.microsoft.com/office/drawing/2014/main" xmlns="" id="{E6F6D699-F826-6EE4-C6FC-9EC1ED9E3482}"/>
               </a:ext>
             </a:extLst>
           </p:cNvPr>
@@ -8418,7 +8196,7 @@
           <p:cNvPr id="2" name="TextBox 1">
             <a:extLst>
               <a:ext uri="{FF2B5EF4-FFF2-40B4-BE49-F238E27FC236}">
-                <a16:creationId xmlns="" xmlns:a16="http://schemas.microsoft.com/office/drawing/2014/main" id="{D5C1804E-FB60-7B89-0B85-5E8E64E8E8B4}"/>
+                <a16:creationId xmlns:a16="http://schemas.microsoft.com/office/drawing/2014/main" xmlns="" id="{D5C1804E-FB60-7B89-0B85-5E8E64E8E8B4}"/>
               </a:ext>
             </a:extLst>
           </p:cNvPr>
@@ -8488,7 +8266,7 @@
           <p:cNvPr id="5" name="TextBox 4">
             <a:extLst>
               <a:ext uri="{FF2B5EF4-FFF2-40B4-BE49-F238E27FC236}">
-                <a16:creationId xmlns="" xmlns:a16="http://schemas.microsoft.com/office/drawing/2014/main" id="{6BBD5F48-E537-C3AE-5430-3B38BA2D1FCB}"/>
+                <a16:creationId xmlns:a16="http://schemas.microsoft.com/office/drawing/2014/main" xmlns="" id="{6BBD5F48-E537-C3AE-5430-3B38BA2D1FCB}"/>
               </a:ext>
             </a:extLst>
           </p:cNvPr>
@@ -8539,10 +8317,6 @@
               </a:rPr>
               <a:t> at scale. </a:t>
             </a:r>
-            <a:endParaRPr lang="en-US" dirty="0" smtClean="0">
-              <a:latin typeface="Times New Roman" pitchFamily="18" charset="0"/>
-              <a:cs typeface="Times New Roman" pitchFamily="18" charset="0"/>
-            </a:endParaRPr>
           </a:p>
           <a:p>
             <a:pPr>
@@ -8557,21 +8331,7 @@
                 <a:latin typeface="Times New Roman" pitchFamily="18" charset="0"/>
                 <a:cs typeface="Times New Roman" pitchFamily="18" charset="0"/>
               </a:rPr>
-              <a:t>Traditional </a:t>
-            </a:r>
-            <a:r>
-              <a:rPr lang="en-US" dirty="0" smtClean="0">
-                <a:latin typeface="Times New Roman" pitchFamily="18" charset="0"/>
-                <a:cs typeface="Times New Roman" pitchFamily="18" charset="0"/>
-              </a:rPr>
-              <a:t>sentiment analysis techniques, heavily reliant on lexical rules or simple statistical models, often fall short</a:t>
-            </a:r>
-            <a:r>
-              <a:rPr lang="en-US" dirty="0" smtClean="0">
-                <a:latin typeface="Times New Roman" pitchFamily="18" charset="0"/>
-                <a:cs typeface="Times New Roman" pitchFamily="18" charset="0"/>
-              </a:rPr>
-              <a:t>.</a:t>
+              <a:t>Traditional sentiment analysis techniques, heavily reliant on lexical rules or simple statistical models, often fall short.</a:t>
             </a:r>
           </a:p>
           <a:p>
@@ -8587,33 +8347,22 @@
                 <a:latin typeface="Times New Roman" pitchFamily="18" charset="0"/>
                 <a:cs typeface="Times New Roman" pitchFamily="18" charset="0"/>
               </a:rPr>
-              <a:t> </a:t>
+              <a:t> They frequently misinterpret </a:t>
+            </a:r>
+            <a:r>
+              <a:rPr lang="en-US" b="1" dirty="0" smtClean="0">
+                <a:latin typeface="Times New Roman" pitchFamily="18" charset="0"/>
+                <a:cs typeface="Times New Roman" pitchFamily="18" charset="0"/>
+              </a:rPr>
+              <a:t>contextual nuances</a:t>
             </a:r>
             <a:r>
               <a:rPr lang="en-US" dirty="0" smtClean="0">
                 <a:latin typeface="Times New Roman" pitchFamily="18" charset="0"/>
                 <a:cs typeface="Times New Roman" pitchFamily="18" charset="0"/>
               </a:rPr>
-              <a:t>They frequently misinterpret </a:t>
-            </a:r>
-            <a:r>
-              <a:rPr lang="en-US" b="1" dirty="0" smtClean="0">
-                <a:latin typeface="Times New Roman" pitchFamily="18" charset="0"/>
-                <a:cs typeface="Times New Roman" pitchFamily="18" charset="0"/>
-              </a:rPr>
-              <a:t>contextual nuances</a:t>
-            </a:r>
-            <a:r>
-              <a:rPr lang="en-US" dirty="0" smtClean="0">
-                <a:latin typeface="Times New Roman" pitchFamily="18" charset="0"/>
-                <a:cs typeface="Times New Roman" pitchFamily="18" charset="0"/>
-              </a:rPr>
               <a:t>, such as sarcasm, double negatives, or subtle emotional cues inherent in human language. </a:t>
             </a:r>
-            <a:endParaRPr lang="en-US" dirty="0" smtClean="0">
-              <a:latin typeface="Times New Roman" pitchFamily="18" charset="0"/>
-              <a:cs typeface="Times New Roman" pitchFamily="18" charset="0"/>
-            </a:endParaRPr>
           </a:p>
           <a:p>
             <a:pPr>
@@ -8628,19 +8377,8 @@
                 <a:latin typeface="Times New Roman" pitchFamily="18" charset="0"/>
                 <a:cs typeface="Times New Roman" pitchFamily="18" charset="0"/>
               </a:rPr>
-              <a:t>This </a:t>
-            </a:r>
-            <a:r>
-              <a:rPr lang="en-US" dirty="0" smtClean="0">
-                <a:latin typeface="Times New Roman" pitchFamily="18" charset="0"/>
-                <a:cs typeface="Times New Roman" pitchFamily="18" charset="0"/>
-              </a:rPr>
-              <a:t>leads to inaccurate sentiment classification, hindering effective decision-making in areas like customer satisfaction, product development, and market analysis. </a:t>
-            </a:r>
-            <a:endParaRPr lang="en-US" dirty="0" smtClean="0">
-              <a:latin typeface="Times New Roman" pitchFamily="18" charset="0"/>
-              <a:cs typeface="Times New Roman" pitchFamily="18" charset="0"/>
-            </a:endParaRPr>
+              <a:t>This leads to inaccurate sentiment classification, hindering effective decision-making in areas like customer satisfaction, product development, and market analysis. </a:t>
+            </a:r>
           </a:p>
           <a:p>
             <a:pPr>
@@ -8655,21 +8393,7 @@
                 <a:latin typeface="Times New Roman" pitchFamily="18" charset="0"/>
                 <a:cs typeface="Times New Roman" pitchFamily="18" charset="0"/>
               </a:rPr>
-              <a:t>There </a:t>
-            </a:r>
-            <a:r>
-              <a:rPr lang="en-US" dirty="0" smtClean="0">
-                <a:latin typeface="Times New Roman" pitchFamily="18" charset="0"/>
-                <a:cs typeface="Times New Roman" pitchFamily="18" charset="0"/>
-              </a:rPr>
-              <a:t>is a pressing need for an advanced, context-aware sentiment analysis solution that can accurately interpret complex language, providing actionable and trustworthy insights for real-world applications, while also being deployable in restricted environments</a:t>
-            </a:r>
-            <a:r>
-              <a:rPr lang="en-US" dirty="0" smtClean="0">
-                <a:latin typeface="Times New Roman" pitchFamily="18" charset="0"/>
-                <a:cs typeface="Times New Roman" pitchFamily="18" charset="0"/>
-              </a:rPr>
-              <a:t>.</a:t>
+              <a:t>There is a pressing need for an advanced, context-aware sentiment analysis solution that can accurately interpret complex language, providing actionable and trustworthy insights for real-world applications, while also being deployable in restricted environments.</a:t>
             </a:r>
             <a:endParaRPr lang="en-US" dirty="0">
               <a:latin typeface="Times New Roman" pitchFamily="18" charset="0"/>
@@ -8681,7 +8405,7 @@
     </p:spTree>
     <p:extLst>
       <p:ext uri="{BB962C8B-B14F-4D97-AF65-F5344CB8AC3E}">
-        <p14:creationId xmlns="" xmlns:p14="http://schemas.microsoft.com/office/powerpoint/2010/main" val="1897401879"/>
+        <p14:creationId xmlns:p14="http://schemas.microsoft.com/office/powerpoint/2010/main" xmlns="" val="1897401879"/>
       </p:ext>
     </p:extLst>
   </p:cSld>
@@ -8713,7 +8437,7 @@
           <p:cNvPr id="3" name="TextBox 2">
             <a:extLst>
               <a:ext uri="{FF2B5EF4-FFF2-40B4-BE49-F238E27FC236}">
-                <a16:creationId xmlns="" xmlns:a16="http://schemas.microsoft.com/office/drawing/2014/main" id="{ECB135FB-857F-978B-731E-6558DD1A96A4}"/>
+                <a16:creationId xmlns:a16="http://schemas.microsoft.com/office/drawing/2014/main" xmlns="" id="{ECB135FB-857F-978B-731E-6558DD1A96A4}"/>
               </a:ext>
             </a:extLst>
           </p:cNvPr>
@@ -8756,7 +8480,7 @@
           <p:cNvPr id="5" name="TextBox 4">
             <a:extLst>
               <a:ext uri="{FF2B5EF4-FFF2-40B4-BE49-F238E27FC236}">
-                <a16:creationId xmlns="" xmlns:a16="http://schemas.microsoft.com/office/drawing/2014/main" id="{6E867DA2-A590-9A48-BCE6-FEEC2B1B07E9}"/>
+                <a16:creationId xmlns:a16="http://schemas.microsoft.com/office/drawing/2014/main" xmlns="" id="{6E867DA2-A590-9A48-BCE6-FEEC2B1B07E9}"/>
               </a:ext>
             </a:extLst>
           </p:cNvPr>
@@ -8826,7 +8550,7 @@
           <p:cNvPr id="7" name="TextBox 6">
             <a:extLst>
               <a:ext uri="{FF2B5EF4-FFF2-40B4-BE49-F238E27FC236}">
-                <a16:creationId xmlns="" xmlns:a16="http://schemas.microsoft.com/office/drawing/2014/main" id="{366A117A-A83D-71E2-2C71-69BA385B1BEA}"/>
+                <a16:creationId xmlns:a16="http://schemas.microsoft.com/office/drawing/2014/main" xmlns="" id="{366A117A-A83D-71E2-2C71-69BA385B1BEA}"/>
               </a:ext>
             </a:extLst>
           </p:cNvPr>
@@ -8900,33 +8624,22 @@
                 <a:latin typeface="Times New Roman" pitchFamily="18" charset="0"/>
                 <a:cs typeface="Times New Roman" pitchFamily="18" charset="0"/>
               </a:rPr>
-              <a:t> 	Identify </a:t>
+              <a:t> 	Identify benchmark dataset: </a:t>
+            </a:r>
+            <a:r>
+              <a:rPr lang="en-US" b="1" dirty="0" smtClean="0">
+                <a:latin typeface="Times New Roman" pitchFamily="18" charset="0"/>
+                <a:cs typeface="Times New Roman" pitchFamily="18" charset="0"/>
+              </a:rPr>
+              <a:t>GLUE (SST-2)</a:t>
             </a:r>
             <a:r>
               <a:rPr lang="en-US" dirty="0" smtClean="0">
                 <a:latin typeface="Times New Roman" pitchFamily="18" charset="0"/>
                 <a:cs typeface="Times New Roman" pitchFamily="18" charset="0"/>
               </a:rPr>
-              <a:t>benchmark dataset: </a:t>
-            </a:r>
-            <a:r>
-              <a:rPr lang="en-US" b="1" dirty="0" smtClean="0">
-                <a:latin typeface="Times New Roman" pitchFamily="18" charset="0"/>
-                <a:cs typeface="Times New Roman" pitchFamily="18" charset="0"/>
-              </a:rPr>
-              <a:t>GLUE (SST-2)</a:t>
-            </a:r>
-            <a:r>
-              <a:rPr lang="en-US" dirty="0" smtClean="0">
-                <a:latin typeface="Times New Roman" pitchFamily="18" charset="0"/>
-                <a:cs typeface="Times New Roman" pitchFamily="18" charset="0"/>
-              </a:rPr>
               <a:t> for sentiment. </a:t>
             </a:r>
-            <a:endParaRPr lang="en-US" dirty="0" smtClean="0">
-              <a:latin typeface="Times New Roman" pitchFamily="18" charset="0"/>
-              <a:cs typeface="Times New Roman" pitchFamily="18" charset="0"/>
-            </a:endParaRPr>
           </a:p>
           <a:p>
             <a:pPr algn="just">
@@ -8941,47 +8654,36 @@
                 <a:latin typeface="Times New Roman" pitchFamily="18" charset="0"/>
                 <a:cs typeface="Times New Roman" pitchFamily="18" charset="0"/>
               </a:rPr>
-              <a:t> 	Select </a:t>
+              <a:t> 	Select Transformer models: </a:t>
+            </a:r>
+            <a:r>
+              <a:rPr lang="en-US" b="1" dirty="0" err="1" smtClean="0">
+                <a:latin typeface="Times New Roman" pitchFamily="18" charset="0"/>
+                <a:cs typeface="Times New Roman" pitchFamily="18" charset="0"/>
+              </a:rPr>
+              <a:t>DistilBERT</a:t>
+            </a:r>
+            <a:r>
+              <a:rPr lang="en-US" b="1" dirty="0" smtClean="0">
+                <a:latin typeface="Times New Roman" pitchFamily="18" charset="0"/>
+                <a:cs typeface="Times New Roman" pitchFamily="18" charset="0"/>
+              </a:rPr>
+              <a:t> and </a:t>
+            </a:r>
+            <a:r>
+              <a:rPr lang="en-US" b="1" dirty="0" err="1" smtClean="0">
+                <a:latin typeface="Times New Roman" pitchFamily="18" charset="0"/>
+                <a:cs typeface="Times New Roman" pitchFamily="18" charset="0"/>
+              </a:rPr>
+              <a:t>RoBERTa</a:t>
             </a:r>
             <a:r>
               <a:rPr lang="en-US" dirty="0" smtClean="0">
                 <a:latin typeface="Times New Roman" pitchFamily="18" charset="0"/>
                 <a:cs typeface="Times New Roman" pitchFamily="18" charset="0"/>
               </a:rPr>
-              <a:t>Transformer models: </a:t>
-            </a:r>
-            <a:r>
-              <a:rPr lang="en-US" b="1" dirty="0" err="1" smtClean="0">
-                <a:latin typeface="Times New Roman" pitchFamily="18" charset="0"/>
-                <a:cs typeface="Times New Roman" pitchFamily="18" charset="0"/>
-              </a:rPr>
-              <a:t>DistilBERT</a:t>
-            </a:r>
-            <a:r>
-              <a:rPr lang="en-US" b="1" dirty="0" smtClean="0">
-                <a:latin typeface="Times New Roman" pitchFamily="18" charset="0"/>
-                <a:cs typeface="Times New Roman" pitchFamily="18" charset="0"/>
-              </a:rPr>
-              <a:t> and </a:t>
-            </a:r>
-            <a:r>
-              <a:rPr lang="en-US" b="1" dirty="0" err="1" smtClean="0">
-                <a:latin typeface="Times New Roman" pitchFamily="18" charset="0"/>
-                <a:cs typeface="Times New Roman" pitchFamily="18" charset="0"/>
-              </a:rPr>
-              <a:t>RoBERTa</a:t>
-            </a:r>
-            <a:r>
-              <a:rPr lang="en-US" dirty="0" smtClean="0">
-                <a:latin typeface="Times New Roman" pitchFamily="18" charset="0"/>
-                <a:cs typeface="Times New Roman" pitchFamily="18" charset="0"/>
-              </a:rPr>
               <a:t>. </a:t>
             </a:r>
-            <a:endParaRPr lang="en-US" dirty="0" smtClean="0">
-              <a:latin typeface="Times New Roman" pitchFamily="18" charset="0"/>
-              <a:cs typeface="Times New Roman" pitchFamily="18" charset="0"/>
-            </a:endParaRPr>
           </a:p>
           <a:p>
             <a:pPr algn="just">
@@ -8996,14 +8698,7 @@
                 <a:latin typeface="Times New Roman" pitchFamily="18" charset="0"/>
                 <a:cs typeface="Times New Roman" pitchFamily="18" charset="0"/>
               </a:rPr>
-              <a:t> 	Acquire </a:t>
-            </a:r>
-            <a:r>
-              <a:rPr lang="en-US" b="1" dirty="0" smtClean="0">
-                <a:latin typeface="Times New Roman" pitchFamily="18" charset="0"/>
-                <a:cs typeface="Times New Roman" pitchFamily="18" charset="0"/>
-              </a:rPr>
-              <a:t>model files locally</a:t>
+              <a:t> 	Acquire model files locally</a:t>
             </a:r>
             <a:r>
               <a:rPr lang="en-US" dirty="0" smtClean="0">
@@ -9012,10 +8707,6 @@
               </a:rPr>
               <a:t> for offline use (one-time). </a:t>
             </a:r>
-            <a:endParaRPr lang="en-US" dirty="0" smtClean="0">
-              <a:latin typeface="Times New Roman" pitchFamily="18" charset="0"/>
-              <a:cs typeface="Times New Roman" pitchFamily="18" charset="0"/>
-            </a:endParaRPr>
           </a:p>
           <a:p>
             <a:pPr algn="just">
@@ -9030,21 +8721,7 @@
                 <a:latin typeface="Times New Roman" pitchFamily="18" charset="0"/>
                 <a:cs typeface="Times New Roman" pitchFamily="18" charset="0"/>
               </a:rPr>
-              <a:t> 	Analyze </a:t>
-            </a:r>
-            <a:r>
-              <a:rPr lang="en-US" dirty="0" smtClean="0">
-                <a:latin typeface="Times New Roman" pitchFamily="18" charset="0"/>
-                <a:cs typeface="Times New Roman" pitchFamily="18" charset="0"/>
-              </a:rPr>
-              <a:t>dataset structure and sentiment labels</a:t>
-            </a:r>
-            <a:r>
-              <a:rPr lang="en-US" dirty="0" smtClean="0">
-                <a:latin typeface="Times New Roman" pitchFamily="18" charset="0"/>
-                <a:cs typeface="Times New Roman" pitchFamily="18" charset="0"/>
-              </a:rPr>
-              <a:t>.</a:t>
+              <a:t> 	Analyze dataset structure and sentiment labels.</a:t>
             </a:r>
           </a:p>
           <a:p>
@@ -9094,33 +8771,22 @@
                 <a:latin typeface="Times New Roman" pitchFamily="18" charset="0"/>
                 <a:cs typeface="Times New Roman" pitchFamily="18" charset="0"/>
               </a:rPr>
-              <a:t> </a:t>
+              <a:t> raw text using specific model </a:t>
+            </a:r>
+            <a:r>
+              <a:rPr lang="en-US" dirty="0" err="1" smtClean="0">
+                <a:latin typeface="Times New Roman" pitchFamily="18" charset="0"/>
+                <a:cs typeface="Times New Roman" pitchFamily="18" charset="0"/>
+              </a:rPr>
+              <a:t>tokenizers</a:t>
             </a:r>
             <a:r>
               <a:rPr lang="en-US" dirty="0" smtClean="0">
                 <a:latin typeface="Times New Roman" pitchFamily="18" charset="0"/>
                 <a:cs typeface="Times New Roman" pitchFamily="18" charset="0"/>
               </a:rPr>
-              <a:t>raw text using specific model </a:t>
-            </a:r>
-            <a:r>
-              <a:rPr lang="en-US" dirty="0" err="1" smtClean="0">
-                <a:latin typeface="Times New Roman" pitchFamily="18" charset="0"/>
-                <a:cs typeface="Times New Roman" pitchFamily="18" charset="0"/>
-              </a:rPr>
-              <a:t>tokenizers</a:t>
-            </a:r>
-            <a:r>
-              <a:rPr lang="en-US" dirty="0" smtClean="0">
-                <a:latin typeface="Times New Roman" pitchFamily="18" charset="0"/>
-                <a:cs typeface="Times New Roman" pitchFamily="18" charset="0"/>
-              </a:rPr>
               <a:t>. </a:t>
             </a:r>
-            <a:endParaRPr lang="en-US" dirty="0" smtClean="0">
-              <a:latin typeface="Times New Roman" pitchFamily="18" charset="0"/>
-              <a:cs typeface="Times New Roman" pitchFamily="18" charset="0"/>
-            </a:endParaRPr>
           </a:p>
           <a:p>
             <a:pPr algn="just">
@@ -9135,19 +8801,8 @@
                 <a:latin typeface="Times New Roman" pitchFamily="18" charset="0"/>
                 <a:cs typeface="Times New Roman" pitchFamily="18" charset="0"/>
               </a:rPr>
-              <a:t> 	Format </a:t>
-            </a:r>
-            <a:r>
-              <a:rPr lang="en-US" dirty="0" smtClean="0">
-                <a:latin typeface="Times New Roman" pitchFamily="18" charset="0"/>
-                <a:cs typeface="Times New Roman" pitchFamily="18" charset="0"/>
-              </a:rPr>
-              <a:t>inputs (IDs, attention masks) for Transformers. </a:t>
-            </a:r>
-            <a:endParaRPr lang="en-US" dirty="0" smtClean="0">
-              <a:latin typeface="Times New Roman" pitchFamily="18" charset="0"/>
-              <a:cs typeface="Times New Roman" pitchFamily="18" charset="0"/>
-            </a:endParaRPr>
+              <a:t> 	Format inputs (IDs, attention masks) for Transformers. </a:t>
+            </a:r>
           </a:p>
           <a:p>
             <a:pPr algn="just">
@@ -9162,19 +8817,8 @@
                 <a:latin typeface="Times New Roman" pitchFamily="18" charset="0"/>
                 <a:cs typeface="Times New Roman" pitchFamily="18" charset="0"/>
               </a:rPr>
-              <a:t> 	Standardize </a:t>
-            </a:r>
-            <a:r>
-              <a:rPr lang="en-US" dirty="0" smtClean="0">
-                <a:latin typeface="Times New Roman" pitchFamily="18" charset="0"/>
-                <a:cs typeface="Times New Roman" pitchFamily="18" charset="0"/>
-              </a:rPr>
-              <a:t>sequence lengths (padding/truncation). </a:t>
-            </a:r>
-            <a:endParaRPr lang="en-US" dirty="0" smtClean="0">
-              <a:latin typeface="Times New Roman" pitchFamily="18" charset="0"/>
-              <a:cs typeface="Times New Roman" pitchFamily="18" charset="0"/>
-            </a:endParaRPr>
+              <a:t> 	Standardize sequence lengths (padding/truncation). </a:t>
+            </a:r>
           </a:p>
           <a:p>
             <a:pPr algn="just">
@@ -9189,14 +8833,7 @@
                 <a:latin typeface="Times New Roman" pitchFamily="18" charset="0"/>
                 <a:cs typeface="Times New Roman" pitchFamily="18" charset="0"/>
               </a:rPr>
-              <a:t> 	Map </a:t>
-            </a:r>
-            <a:r>
-              <a:rPr lang="en-US" dirty="0" smtClean="0">
-                <a:latin typeface="Times New Roman" pitchFamily="18" charset="0"/>
-                <a:cs typeface="Times New Roman" pitchFamily="18" charset="0"/>
-              </a:rPr>
-              <a:t>sentiment labels to numerical representations.</a:t>
+              <a:t> 	Map sentiment labels to numerical representations.</a:t>
             </a:r>
             <a:endParaRPr lang="en-IN" dirty="0">
               <a:latin typeface="Times New Roman" pitchFamily="18" charset="0"/>
@@ -9208,7 +8845,7 @@
     </p:spTree>
     <p:extLst>
       <p:ext uri="{BB962C8B-B14F-4D97-AF65-F5344CB8AC3E}">
-        <p14:creationId xmlns="" xmlns:p14="http://schemas.microsoft.com/office/powerpoint/2010/main" val="1822400216"/>
+        <p14:creationId xmlns:p14="http://schemas.microsoft.com/office/powerpoint/2010/main" xmlns="" val="1822400216"/>
       </p:ext>
     </p:extLst>
   </p:cSld>
@@ -9240,7 +8877,7 @@
           <p:cNvPr id="3" name="TextBox 2">
             <a:extLst>
               <a:ext uri="{FF2B5EF4-FFF2-40B4-BE49-F238E27FC236}">
-                <a16:creationId xmlns="" xmlns:a16="http://schemas.microsoft.com/office/drawing/2014/main" id="{32D18A80-EF14-7472-2EE9-F900BA592B78}"/>
+                <a16:creationId xmlns:a16="http://schemas.microsoft.com/office/drawing/2014/main" xmlns="" id="{32D18A80-EF14-7472-2EE9-F900BA592B78}"/>
               </a:ext>
             </a:extLst>
           </p:cNvPr>
@@ -9279,7 +8916,7 @@
           <p:cNvPr id="2" name="TextBox 1">
             <a:extLst>
               <a:ext uri="{FF2B5EF4-FFF2-40B4-BE49-F238E27FC236}">
-                <a16:creationId xmlns="" xmlns:a16="http://schemas.microsoft.com/office/drawing/2014/main" id="{A0B0DC60-E3A5-7587-6BC9-0686281D6C7C}"/>
+                <a16:creationId xmlns:a16="http://schemas.microsoft.com/office/drawing/2014/main" xmlns="" id="{A0B0DC60-E3A5-7587-6BC9-0686281D6C7C}"/>
               </a:ext>
             </a:extLst>
           </p:cNvPr>
@@ -9349,7 +8986,7 @@
           <p:cNvPr id="4" name="TextBox 3">
             <a:extLst>
               <a:ext uri="{FF2B5EF4-FFF2-40B4-BE49-F238E27FC236}">
-                <a16:creationId xmlns="" xmlns:a16="http://schemas.microsoft.com/office/drawing/2014/main" id="{6C9EF33C-49DE-261C-1568-A7B7D0A1F51D}"/>
+                <a16:creationId xmlns:a16="http://schemas.microsoft.com/office/drawing/2014/main" xmlns="" id="{6C9EF33C-49DE-261C-1568-A7B7D0A1F51D}"/>
               </a:ext>
             </a:extLst>
           </p:cNvPr>
@@ -9398,28 +9035,14 @@
                 <a:latin typeface="Times New Roman" pitchFamily="18" charset="0"/>
                 <a:cs typeface="Times New Roman" pitchFamily="18" charset="0"/>
               </a:rPr>
-              <a:t> 	Load </a:t>
-            </a:r>
-            <a:r>
-              <a:rPr lang="en-US" dirty="0" smtClean="0">
-                <a:latin typeface="Times New Roman" pitchFamily="18" charset="0"/>
-                <a:cs typeface="Times New Roman" pitchFamily="18" charset="0"/>
-              </a:rPr>
-              <a:t>pre-trained </a:t>
+              <a:t> 	Load pre-trained </a:t>
             </a:r>
             <a:r>
               <a:rPr lang="en-US" b="1" dirty="0" smtClean="0">
                 <a:latin typeface="Times New Roman" pitchFamily="18" charset="0"/>
                 <a:cs typeface="Times New Roman" pitchFamily="18" charset="0"/>
               </a:rPr>
-              <a:t>Transformer </a:t>
-            </a:r>
-            <a:r>
-              <a:rPr lang="en-US" b="1" dirty="0" smtClean="0">
-                <a:latin typeface="Times New Roman" pitchFamily="18" charset="0"/>
-                <a:cs typeface="Times New Roman" pitchFamily="18" charset="0"/>
-              </a:rPr>
-              <a:t>models</a:t>
+              <a:t>Transformer models</a:t>
             </a:r>
             <a:r>
               <a:rPr lang="en-US" dirty="0" smtClean="0">
@@ -9449,19 +9072,8 @@
                 <a:latin typeface="Times New Roman" pitchFamily="18" charset="0"/>
                 <a:cs typeface="Times New Roman" pitchFamily="18" charset="0"/>
               </a:rPr>
-              <a:t> </a:t>
-            </a:r>
-            <a:r>
-              <a:rPr lang="en-US" dirty="0" smtClean="0">
-                <a:latin typeface="Times New Roman" pitchFamily="18" charset="0"/>
-                <a:cs typeface="Times New Roman" pitchFamily="18" charset="0"/>
-              </a:rPr>
-              <a:t>models on the SST-2 sentiment dataset. </a:t>
-            </a:r>
-            <a:endParaRPr lang="en-US" dirty="0" smtClean="0">
-              <a:latin typeface="Times New Roman" pitchFamily="18" charset="0"/>
-              <a:cs typeface="Times New Roman" pitchFamily="18" charset="0"/>
-            </a:endParaRPr>
+              <a:t> models on the SST-2 sentiment dataset. </a:t>
+            </a:r>
           </a:p>
           <a:p>
             <a:pPr algn="just">
@@ -9476,19 +9088,8 @@
                 <a:latin typeface="Times New Roman" pitchFamily="18" charset="0"/>
                 <a:cs typeface="Times New Roman" pitchFamily="18" charset="0"/>
               </a:rPr>
-              <a:t> 	Evaluate </a:t>
-            </a:r>
-            <a:r>
-              <a:rPr lang="en-US" dirty="0" smtClean="0">
-                <a:latin typeface="Times New Roman" pitchFamily="18" charset="0"/>
-                <a:cs typeface="Times New Roman" pitchFamily="18" charset="0"/>
-              </a:rPr>
-              <a:t>model performance using key metrics (e.g., F1-score). </a:t>
-            </a:r>
-            <a:endParaRPr lang="en-US" dirty="0" smtClean="0">
-              <a:latin typeface="Times New Roman" pitchFamily="18" charset="0"/>
-              <a:cs typeface="Times New Roman" pitchFamily="18" charset="0"/>
-            </a:endParaRPr>
+              <a:t> 	Evaluate model performance using key metrics (e.g., F1-score). </a:t>
+            </a:r>
           </a:p>
           <a:p>
             <a:pPr algn="just">
@@ -9503,21 +9104,7 @@
                 <a:latin typeface="Times New Roman" pitchFamily="18" charset="0"/>
                 <a:cs typeface="Times New Roman" pitchFamily="18" charset="0"/>
               </a:rPr>
-              <a:t> 	Refine </a:t>
-            </a:r>
-            <a:r>
-              <a:rPr lang="en-US" dirty="0" smtClean="0">
-                <a:latin typeface="Times New Roman" pitchFamily="18" charset="0"/>
-                <a:cs typeface="Times New Roman" pitchFamily="18" charset="0"/>
-              </a:rPr>
-              <a:t>logic for "Positive," "Negative," and "Neutral" classification</a:t>
-            </a:r>
-            <a:r>
-              <a:rPr lang="en-US" dirty="0" smtClean="0">
-                <a:latin typeface="Times New Roman" pitchFamily="18" charset="0"/>
-                <a:cs typeface="Times New Roman" pitchFamily="18" charset="0"/>
-              </a:rPr>
-              <a:t>.</a:t>
+              <a:t> 	Refine logic for "Positive," "Negative," and "Neutral" classification.</a:t>
             </a:r>
           </a:p>
           <a:p>
@@ -9574,10 +9161,6 @@
               </a:rPr>
               <a:t> for sentiment inference. </a:t>
             </a:r>
-            <a:endParaRPr lang="en-US" dirty="0" smtClean="0">
-              <a:latin typeface="Times New Roman" pitchFamily="18" charset="0"/>
-              <a:cs typeface="Times New Roman" pitchFamily="18" charset="0"/>
-            </a:endParaRPr>
           </a:p>
           <a:p>
             <a:pPr algn="just">
@@ -9592,19 +9175,8 @@
                 <a:latin typeface="Times New Roman" pitchFamily="18" charset="0"/>
                 <a:cs typeface="Times New Roman" pitchFamily="18" charset="0"/>
               </a:rPr>
-              <a:t> 	Design </a:t>
-            </a:r>
-            <a:r>
-              <a:rPr lang="en-US" dirty="0" smtClean="0">
-                <a:latin typeface="Times New Roman" pitchFamily="18" charset="0"/>
-                <a:cs typeface="Times New Roman" pitchFamily="18" charset="0"/>
-              </a:rPr>
-              <a:t>user-friendly input and output interface. </a:t>
-            </a:r>
-            <a:endParaRPr lang="en-US" dirty="0" smtClean="0">
-              <a:latin typeface="Times New Roman" pitchFamily="18" charset="0"/>
-              <a:cs typeface="Times New Roman" pitchFamily="18" charset="0"/>
-            </a:endParaRPr>
+              <a:t> 	Design user-friendly input and output interface. </a:t>
+            </a:r>
           </a:p>
           <a:p>
             <a:pPr algn="just">
@@ -9619,14 +9191,7 @@
                 <a:latin typeface="Times New Roman" pitchFamily="18" charset="0"/>
                 <a:cs typeface="Times New Roman" pitchFamily="18" charset="0"/>
               </a:rPr>
-              <a:t> 	Ensure </a:t>
-            </a:r>
-            <a:r>
-              <a:rPr lang="en-US" dirty="0" smtClean="0">
-                <a:latin typeface="Times New Roman" pitchFamily="18" charset="0"/>
-                <a:cs typeface="Times New Roman" pitchFamily="18" charset="0"/>
-              </a:rPr>
-              <a:t>project is packaged for </a:t>
+              <a:t> 	Ensure project is packaged for </a:t>
             </a:r>
             <a:r>
               <a:rPr lang="en-US" b="1" dirty="0" smtClean="0">
@@ -9652,7 +9217,7 @@
     </p:spTree>
     <p:extLst>
       <p:ext uri="{BB962C8B-B14F-4D97-AF65-F5344CB8AC3E}">
-        <p14:creationId xmlns="" xmlns:p14="http://schemas.microsoft.com/office/powerpoint/2010/main" val="495615002"/>
+        <p14:creationId xmlns:p14="http://schemas.microsoft.com/office/powerpoint/2010/main" xmlns="" val="495615002"/>
       </p:ext>
     </p:extLst>
   </p:cSld>
@@ -9684,7 +9249,7 @@
           <p:cNvPr id="3" name="TextBox 2">
             <a:extLst>
               <a:ext uri="{FF2B5EF4-FFF2-40B4-BE49-F238E27FC236}">
-                <a16:creationId xmlns="" xmlns:a16="http://schemas.microsoft.com/office/drawing/2014/main" id="{FA2550C5-0637-BF31-491C-07E657208EA5}"/>
+                <a16:creationId xmlns:a16="http://schemas.microsoft.com/office/drawing/2014/main" xmlns="" id="{FA2550C5-0637-BF31-491C-07E657208EA5}"/>
               </a:ext>
             </a:extLst>
           </p:cNvPr>
@@ -9727,7 +9292,7 @@
           <p:cNvPr id="2" name="TextBox 1">
             <a:extLst>
               <a:ext uri="{FF2B5EF4-FFF2-40B4-BE49-F238E27FC236}">
-                <a16:creationId xmlns="" xmlns:a16="http://schemas.microsoft.com/office/drawing/2014/main" id="{445A646E-8EE9-7D12-1033-B1A8F8AA2F03}"/>
+                <a16:creationId xmlns:a16="http://schemas.microsoft.com/office/drawing/2014/main" xmlns="" id="{445A646E-8EE9-7D12-1033-B1A8F8AA2F03}"/>
               </a:ext>
             </a:extLst>
           </p:cNvPr>
@@ -9797,7 +9362,7 @@
           <p:cNvPr id="6" name="Table 5">
             <a:extLst>
               <a:ext uri="{FF2B5EF4-FFF2-40B4-BE49-F238E27FC236}">
-                <a16:creationId xmlns="" xmlns:a16="http://schemas.microsoft.com/office/drawing/2014/main" id="{E51936F1-15A7-C849-4991-53FB0D2B3960}"/>
+                <a16:creationId xmlns:a16="http://schemas.microsoft.com/office/drawing/2014/main" xmlns="" id="{E51936F1-15A7-C849-4991-53FB0D2B3960}"/>
               </a:ext>
             </a:extLst>
           </p:cNvPr>
@@ -9807,7 +9372,7 @@
           <p:nvPr>
             <p:extLst>
               <p:ext uri="{D42A27DB-BD31-4B8C-83A1-F6EECF244321}">
-                <p14:modId xmlns="" xmlns:p14="http://schemas.microsoft.com/office/powerpoint/2010/main" val="2197685621"/>
+                <p14:modId xmlns:p14="http://schemas.microsoft.com/office/powerpoint/2010/main" xmlns="" val="2197685621"/>
               </p:ext>
             </p:extLst>
           </p:nvPr>
@@ -9824,14 +9389,14 @@
                 <a:gridCol w="5029200">
                   <a:extLst>
                     <a:ext uri="{9D8B030D-6E8A-4147-A177-3AD203B41FA5}">
-                      <a16:colId xmlns="" xmlns:a16="http://schemas.microsoft.com/office/drawing/2014/main" val="1150726665"/>
+                      <a16:colId xmlns:a16="http://schemas.microsoft.com/office/drawing/2014/main" xmlns="" val="1150726665"/>
                     </a:ext>
                   </a:extLst>
                 </a:gridCol>
                 <a:gridCol w="5029200">
                   <a:extLst>
                     <a:ext uri="{9D8B030D-6E8A-4147-A177-3AD203B41FA5}">
-                      <a16:colId xmlns="" xmlns:a16="http://schemas.microsoft.com/office/drawing/2014/main" val="61270894"/>
+                      <a16:colId xmlns:a16="http://schemas.microsoft.com/office/drawing/2014/main" xmlns="" val="61270894"/>
                     </a:ext>
                   </a:extLst>
                 </a:gridCol>
@@ -9955,7 +9520,7 @@
                 </a:tc>
                 <a:extLst>
                   <a:ext uri="{0D108BD9-81ED-4DB2-BD59-A6C34878D82A}">
-                    <a16:rowId xmlns="" xmlns:a16="http://schemas.microsoft.com/office/drawing/2014/main" val="2033263901"/>
+                    <a16:rowId xmlns:a16="http://schemas.microsoft.com/office/drawing/2014/main" xmlns="" val="2033263901"/>
                   </a:ext>
                 </a:extLst>
               </a:tr>
@@ -10095,7 +9660,7 @@
                 </a:tc>
                 <a:extLst>
                   <a:ext uri="{0D108BD9-81ED-4DB2-BD59-A6C34878D82A}">
-                    <a16:rowId xmlns="" xmlns:a16="http://schemas.microsoft.com/office/drawing/2014/main" val="1395963727"/>
+                    <a16:rowId xmlns:a16="http://schemas.microsoft.com/office/drawing/2014/main" xmlns="" val="1395963727"/>
                   </a:ext>
                 </a:extLst>
               </a:tr>
@@ -10270,7 +9835,7 @@
                 </a:tc>
                 <a:extLst>
                   <a:ext uri="{0D108BD9-81ED-4DB2-BD59-A6C34878D82A}">
-                    <a16:rowId xmlns="" xmlns:a16="http://schemas.microsoft.com/office/drawing/2014/main" val="1919438540"/>
+                    <a16:rowId xmlns:a16="http://schemas.microsoft.com/office/drawing/2014/main" xmlns="" val="1919438540"/>
                   </a:ext>
                 </a:extLst>
               </a:tr>
@@ -10424,7 +9989,7 @@
                 </a:tc>
                 <a:extLst>
                   <a:ext uri="{0D108BD9-81ED-4DB2-BD59-A6C34878D82A}">
-                    <a16:rowId xmlns="" xmlns:a16="http://schemas.microsoft.com/office/drawing/2014/main" val="1862938725"/>
+                    <a16:rowId xmlns:a16="http://schemas.microsoft.com/office/drawing/2014/main" xmlns="" val="1862938725"/>
                   </a:ext>
                 </a:extLst>
               </a:tr>
@@ -10571,7 +10136,7 @@
                 </a:tc>
                 <a:extLst>
                   <a:ext uri="{0D108BD9-81ED-4DB2-BD59-A6C34878D82A}">
-                    <a16:rowId xmlns="" xmlns:a16="http://schemas.microsoft.com/office/drawing/2014/main" val="3082785107"/>
+                    <a16:rowId xmlns:a16="http://schemas.microsoft.com/office/drawing/2014/main" xmlns="" val="3082785107"/>
                   </a:ext>
                 </a:extLst>
               </a:tr>
@@ -10701,7 +10266,7 @@
                 </a:tc>
                 <a:extLst>
                   <a:ext uri="{0D108BD9-81ED-4DB2-BD59-A6C34878D82A}">
-                    <a16:rowId xmlns="" xmlns:a16="http://schemas.microsoft.com/office/drawing/2014/main" val="3855357669"/>
+                    <a16:rowId xmlns:a16="http://schemas.microsoft.com/office/drawing/2014/main" xmlns="" val="3855357669"/>
                   </a:ext>
                 </a:extLst>
               </a:tr>
@@ -10837,7 +10402,7 @@
     </p:spTree>
     <p:extLst>
       <p:ext uri="{BB962C8B-B14F-4D97-AF65-F5344CB8AC3E}">
-        <p14:creationId xmlns="" xmlns:p14="http://schemas.microsoft.com/office/powerpoint/2010/main" val="2757047693"/>
+        <p14:creationId xmlns:p14="http://schemas.microsoft.com/office/powerpoint/2010/main" xmlns="" val="2757047693"/>
       </p:ext>
     </p:extLst>
   </p:cSld>
@@ -10869,7 +10434,7 @@
           <p:cNvPr id="3" name="TextBox 2">
             <a:extLst>
               <a:ext uri="{FF2B5EF4-FFF2-40B4-BE49-F238E27FC236}">
-                <a16:creationId xmlns="" xmlns:a16="http://schemas.microsoft.com/office/drawing/2014/main" id="{0EB7CE9F-86E9-04E4-6056-596140A68194}"/>
+                <a16:creationId xmlns:a16="http://schemas.microsoft.com/office/drawing/2014/main" xmlns="" id="{0EB7CE9F-86E9-04E4-6056-596140A68194}"/>
               </a:ext>
             </a:extLst>
           </p:cNvPr>
@@ -10912,7 +10477,7 @@
           <p:cNvPr id="4" name="TextBox 3">
             <a:extLst>
               <a:ext uri="{FF2B5EF4-FFF2-40B4-BE49-F238E27FC236}">
-                <a16:creationId xmlns="" xmlns:a16="http://schemas.microsoft.com/office/drawing/2014/main" id="{70AF4299-B98D-6D89-3F1D-2925CC687395}"/>
+                <a16:creationId xmlns:a16="http://schemas.microsoft.com/office/drawing/2014/main" xmlns="" id="{70AF4299-B98D-6D89-3F1D-2925CC687395}"/>
               </a:ext>
             </a:extLst>
           </p:cNvPr>
@@ -10982,7 +10547,7 @@
           <p:cNvPr id="5" name="TextBox 4">
             <a:extLst>
               <a:ext uri="{FF2B5EF4-FFF2-40B4-BE49-F238E27FC236}">
-                <a16:creationId xmlns="" xmlns:a16="http://schemas.microsoft.com/office/drawing/2014/main" id="{0EA234E9-E9E5-E0B7-4AED-F5DC176B2CE2}"/>
+                <a16:creationId xmlns:a16="http://schemas.microsoft.com/office/drawing/2014/main" xmlns="" id="{0EA234E9-E9E5-E0B7-4AED-F5DC176B2CE2}"/>
               </a:ext>
             </a:extLst>
           </p:cNvPr>
@@ -11106,14 +10671,7 @@
                 <a:latin typeface="Times New Roman" pitchFamily="18" charset="0"/>
                 <a:cs typeface="Times New Roman" pitchFamily="18" charset="0"/>
               </a:rPr>
-              <a:t>, the application delivers immediate results through an intuitive, easy-to-use </a:t>
-            </a:r>
-            <a:r>
-              <a:rPr lang="en-US" sz="1700" dirty="0" smtClean="0">
-                <a:latin typeface="Times New Roman" pitchFamily="18" charset="0"/>
-                <a:cs typeface="Times New Roman" pitchFamily="18" charset="0"/>
-              </a:rPr>
-              <a:t>interface.</a:t>
+              <a:t>, the application delivers immediate results through an intuitive, easy-to-use interface.</a:t>
             </a:r>
           </a:p>
           <a:p>
@@ -11172,33 +10730,22 @@
                 <a:latin typeface="Times New Roman" pitchFamily="18" charset="0"/>
                 <a:cs typeface="Times New Roman" pitchFamily="18" charset="0"/>
               </a:rPr>
-              <a:t> Users </a:t>
+              <a:t> Users are greeted with a welcoming dashboard featuring the title "</a:t>
+            </a:r>
+            <a:r>
+              <a:rPr lang="en-US" sz="1700" b="1" dirty="0" smtClean="0">
+                <a:latin typeface="Times New Roman" pitchFamily="18" charset="0"/>
+                <a:cs typeface="Times New Roman" pitchFamily="18" charset="0"/>
+              </a:rPr>
+              <a:t>Welcome to the Advanced Sentiment Analysis App</a:t>
             </a:r>
             <a:r>
               <a:rPr lang="en-US" sz="1700" dirty="0" smtClean="0">
                 <a:latin typeface="Times New Roman" pitchFamily="18" charset="0"/>
                 <a:cs typeface="Times New Roman" pitchFamily="18" charset="0"/>
               </a:rPr>
-              <a:t>are greeted with a welcoming dashboard featuring the title "</a:t>
-            </a:r>
-            <a:r>
-              <a:rPr lang="en-US" sz="1700" b="1" dirty="0" smtClean="0">
-                <a:latin typeface="Times New Roman" pitchFamily="18" charset="0"/>
-                <a:cs typeface="Times New Roman" pitchFamily="18" charset="0"/>
-              </a:rPr>
-              <a:t>Welcome to the Advanced Sentiment Analysis App</a:t>
-            </a:r>
-            <a:r>
-              <a:rPr lang="en-US" sz="1700" dirty="0" smtClean="0">
-                <a:latin typeface="Times New Roman" pitchFamily="18" charset="0"/>
-                <a:cs typeface="Times New Roman" pitchFamily="18" charset="0"/>
-              </a:rPr>
               <a:t>". </a:t>
             </a:r>
-            <a:endParaRPr lang="en-US" sz="1700" dirty="0" smtClean="0">
-              <a:latin typeface="Times New Roman" pitchFamily="18" charset="0"/>
-              <a:cs typeface="Times New Roman" pitchFamily="18" charset="0"/>
-            </a:endParaRPr>
           </a:p>
           <a:p>
             <a:pPr lvl="1">
@@ -11213,19 +10760,8 @@
                 <a:latin typeface="Times New Roman" pitchFamily="18" charset="0"/>
                 <a:cs typeface="Times New Roman" pitchFamily="18" charset="0"/>
               </a:rPr>
-              <a:t> A </a:t>
-            </a:r>
-            <a:r>
-              <a:rPr lang="en-US" sz="1700" dirty="0" smtClean="0">
-                <a:latin typeface="Times New Roman" pitchFamily="18" charset="0"/>
-                <a:cs typeface="Times New Roman" pitchFamily="18" charset="0"/>
-              </a:rPr>
-              <a:t>brief description clarifies the app's purpose: "This application allows you to analyze the sentiment of any text you provide." </a:t>
-            </a:r>
-            <a:endParaRPr lang="en-US" sz="1700" dirty="0" smtClean="0">
-              <a:latin typeface="Times New Roman" pitchFamily="18" charset="0"/>
-              <a:cs typeface="Times New Roman" pitchFamily="18" charset="0"/>
-            </a:endParaRPr>
+              <a:t> A brief description clarifies the app's purpose: "This application allows you to analyze the sentiment of any text you provide." </a:t>
+            </a:r>
           </a:p>
           <a:p>
             <a:pPr lvl="1">
@@ -11240,33 +10776,22 @@
                 <a:latin typeface="Times New Roman" pitchFamily="18" charset="0"/>
                 <a:cs typeface="Times New Roman" pitchFamily="18" charset="0"/>
               </a:rPr>
-              <a:t> A </a:t>
+              <a:t> A prominent "</a:t>
+            </a:r>
+            <a:r>
+              <a:rPr lang="en-US" sz="1700" b="1" dirty="0" smtClean="0">
+                <a:latin typeface="Times New Roman" pitchFamily="18" charset="0"/>
+                <a:cs typeface="Times New Roman" pitchFamily="18" charset="0"/>
+              </a:rPr>
+              <a:t>Get Started: Analyze Sentiment</a:t>
             </a:r>
             <a:r>
               <a:rPr lang="en-US" sz="1700" dirty="0" smtClean="0">
                 <a:latin typeface="Times New Roman" pitchFamily="18" charset="0"/>
                 <a:cs typeface="Times New Roman" pitchFamily="18" charset="0"/>
               </a:rPr>
-              <a:t>prominent "</a:t>
-            </a:r>
-            <a:r>
-              <a:rPr lang="en-US" sz="1700" b="1" dirty="0" smtClean="0">
-                <a:latin typeface="Times New Roman" pitchFamily="18" charset="0"/>
-                <a:cs typeface="Times New Roman" pitchFamily="18" charset="0"/>
-              </a:rPr>
-              <a:t>Get Started: Analyze Sentiment</a:t>
-            </a:r>
-            <a:r>
-              <a:rPr lang="en-US" sz="1700" dirty="0" smtClean="0">
-                <a:latin typeface="Times New Roman" pitchFamily="18" charset="0"/>
-                <a:cs typeface="Times New Roman" pitchFamily="18" charset="0"/>
-              </a:rPr>
               <a:t>" button serves as a clear call to action, guiding users to the core functionality. </a:t>
             </a:r>
-            <a:endParaRPr lang="en-US" sz="1700" dirty="0" smtClean="0">
-              <a:latin typeface="Times New Roman" pitchFamily="18" charset="0"/>
-              <a:cs typeface="Times New Roman" pitchFamily="18" charset="0"/>
-            </a:endParaRPr>
           </a:p>
           <a:p>
             <a:pPr lvl="1">
@@ -11281,14 +10806,7 @@
                 <a:latin typeface="Times New Roman" pitchFamily="18" charset="0"/>
                 <a:cs typeface="Times New Roman" pitchFamily="18" charset="0"/>
               </a:rPr>
-              <a:t> A </a:t>
-            </a:r>
-            <a:r>
-              <a:rPr lang="en-US" sz="1700" dirty="0" smtClean="0">
-                <a:latin typeface="Times New Roman" pitchFamily="18" charset="0"/>
-                <a:cs typeface="Times New Roman" pitchFamily="18" charset="0"/>
-              </a:rPr>
-              <a:t>navigation sidebar on the left provides access to "Home," "Analyze Sentiment," "Sentiment Results," and "Analysis History" sections.</a:t>
+              <a:t> A navigation sidebar on the left provides access to "Home," "Analyze Sentiment," "Sentiment Results," and "Analysis History" sections.</a:t>
             </a:r>
             <a:endParaRPr lang="en-US" sz="1700" dirty="0">
               <a:latin typeface="Times New Roman" pitchFamily="18" charset="0"/>
@@ -11300,7 +10818,7 @@
     </p:spTree>
     <p:extLst>
       <p:ext uri="{BB962C8B-B14F-4D97-AF65-F5344CB8AC3E}">
-        <p14:creationId xmlns="" xmlns:p14="http://schemas.microsoft.com/office/powerpoint/2010/main" val="929123709"/>
+        <p14:creationId xmlns:p14="http://schemas.microsoft.com/office/powerpoint/2010/main" xmlns="" val="929123709"/>
       </p:ext>
     </p:extLst>
   </p:cSld>
@@ -11587,7 +11105,7 @@
   <a:extraClrSchemeLst/>
   <a:extLst>
     <a:ext uri="{05A4C25C-085E-4340-85A3-A5531E510DB2}">
-      <thm15:themeFamily xmlns="" xmlns:thm15="http://schemas.microsoft.com/office/thememl/2012/main" name="Retrospect" id="{5F128B03-DCCA-4EEB-AB3B-CF2899314A46}" vid="{9CC26709-368C-4D72-9060-94E5B3FF3CD6}"/>
+      <thm15:themeFamily xmlns:thm15="http://schemas.microsoft.com/office/thememl/2012/main" xmlns="" name="Retrospect" id="{5F128B03-DCCA-4EEB-AB3B-CF2899314A46}" vid="{9CC26709-368C-4D72-9060-94E5B3FF3CD6}"/>
     </a:ext>
   </a:extLst>
 </a:theme>
@@ -11882,7 +11400,7 @@
   <a:extraClrSchemeLst/>
   <a:extLst>
     <a:ext uri="{05A4C25C-085E-4340-85A3-A5531E510DB2}">
-      <thm15:themeFamily xmlns="" xmlns:thm15="http://schemas.microsoft.com/office/thememl/2012/main" name="Office Theme" id="{62F939B6-93AF-4DB8-9C6B-D6C7DFDC589F}" vid="{4A3C46E8-61CC-4603-A589-7422A47A8E4A}"/>
+      <thm15:themeFamily xmlns:thm15="http://schemas.microsoft.com/office/thememl/2012/main" xmlns="" name="Office Theme" id="{62F939B6-93AF-4DB8-9C6B-D6C7DFDC589F}" vid="{4A3C46E8-61CC-4603-A589-7422A47A8E4A}"/>
     </a:ext>
   </a:extLst>
 </a:theme>
